--- a/Presentation--Upgrading-to-CMS-12-and-Commerce-14.pptx
+++ b/Presentation--Upgrading-to-CMS-12-and-Commerce-14.pptx
@@ -151,6 +151,81 @@
     </a:lvl9pPr>
   </p:defaultTextStyle>
   <p:extLst>
+    <p:ext uri="{521415D9-36F7-43E2-AB2F-B90AF26B5E84}">
+      <p14:sectionLst xmlns:p14="http://schemas.microsoft.com/office/powerpoint/2010/main">
+        <p14:section name="Default Section" id="{7A4E0993-23AD-445D-BEBF-A93E008DE284}">
+          <p14:sldIdLst>
+            <p14:sldId id="271"/>
+            <p14:sldId id="270"/>
+          </p14:sldIdLst>
+        </p14:section>
+        <p14:section name="Phase 0" id="{78C43764-CF46-4E3B-A927-52DAA61AF972}">
+          <p14:sldIdLst>
+            <p14:sldId id="298"/>
+            <p14:sldId id="262"/>
+            <p14:sldId id="260"/>
+            <p14:sldId id="261"/>
+            <p14:sldId id="294"/>
+            <p14:sldId id="297"/>
+            <p14:sldId id="299"/>
+            <p14:sldId id="258"/>
+          </p14:sldIdLst>
+        </p14:section>
+        <p14:section name="Phase 1" id="{1C3F5581-4016-4A8A-9952-BC1CBE7E2C06}">
+          <p14:sldIdLst>
+            <p14:sldId id="300"/>
+            <p14:sldId id="266"/>
+            <p14:sldId id="275"/>
+            <p14:sldId id="273"/>
+            <p14:sldId id="265"/>
+            <p14:sldId id="267"/>
+            <p14:sldId id="268"/>
+            <p14:sldId id="269"/>
+            <p14:sldId id="264"/>
+            <p14:sldId id="274"/>
+            <p14:sldId id="276"/>
+            <p14:sldId id="277"/>
+            <p14:sldId id="278"/>
+            <p14:sldId id="279"/>
+            <p14:sldId id="280"/>
+            <p14:sldId id="282"/>
+            <p14:sldId id="283"/>
+            <p14:sldId id="284"/>
+          </p14:sldIdLst>
+        </p14:section>
+        <p14:section name="Phase 2" id="{B6BB9376-A329-4467-ABC2-832D31B36C0A}">
+          <p14:sldIdLst>
+            <p14:sldId id="285"/>
+            <p14:sldId id="286"/>
+            <p14:sldId id="287"/>
+            <p14:sldId id="288"/>
+            <p14:sldId id="289"/>
+            <p14:sldId id="290"/>
+            <p14:sldId id="291"/>
+            <p14:sldId id="292"/>
+            <p14:sldId id="305"/>
+            <p14:sldId id="304"/>
+            <p14:sldId id="293"/>
+            <p14:sldId id="295"/>
+            <p14:sldId id="296"/>
+            <p14:sldId id="308"/>
+            <p14:sldId id="306"/>
+            <p14:sldId id="307"/>
+          </p14:sldIdLst>
+        </p14:section>
+        <p14:section name="Phase 3" id="{0EA4111A-F359-46F5-A9DD-1D52E87B551C}">
+          <p14:sldIdLst>
+            <p14:sldId id="301"/>
+            <p14:sldId id="302"/>
+          </p14:sldIdLst>
+        </p14:section>
+        <p14:section name="The End" id="{FA4E53C9-1E08-4226-9D56-A9C0961BE739}">
+          <p14:sldIdLst>
+            <p14:sldId id="303"/>
+          </p14:sldIdLst>
+        </p14:section>
+      </p14:sectionLst>
+    </p:ext>
     <p:ext uri="{EFAFB233-063F-42B5-8137-9DF3F51BA10A}">
       <p15:sldGuideLst xmlns:p15="http://schemas.microsoft.com/office/powerpoint/2012/main"/>
     </p:ext>
@@ -2377,7 +2452,7 @@
           <a:p>
             <a:fld id="{62F1FEC0-222E-48E4-BC33-61B647978835}" type="datetimeFigureOut">
               <a:rPr lang="en-US" smtClean="0"/>
-              <a:t>4/20/2022</a:t>
+              <a:t>4/21/2022</a:t>
             </a:fld>
             <a:endParaRPr lang="en-US"/>
           </a:p>
@@ -2404,7 +2479,10 @@
           <a:bodyPr/>
           <a:lstStyle/>
           <a:p>
-            <a:endParaRPr lang="en-US"/>
+            <a:r>
+              <a:rPr lang="en-US" dirty="0"/>
+              <a:t>https://github.com/DrewNull/optimizely-cms12-upgrade</a:t>
+            </a:r>
           </a:p>
         </p:txBody>
       </p:sp>
@@ -2433,7 +2511,7 @@
               <a:rPr lang="en-US" smtClean="0"/>
               <a:t>‹#›</a:t>
             </a:fld>
-            <a:endParaRPr lang="en-US"/>
+            <a:endParaRPr lang="en-US" dirty="0"/>
           </a:p>
         </p:txBody>
       </p:sp>
@@ -2575,7 +2653,7 @@
           <a:p>
             <a:fld id="{62F1FEC0-222E-48E4-BC33-61B647978835}" type="datetimeFigureOut">
               <a:rPr lang="en-US" smtClean="0"/>
-              <a:t>4/20/2022</a:t>
+              <a:t>4/21/2022</a:t>
             </a:fld>
             <a:endParaRPr lang="en-US"/>
           </a:p>
@@ -2602,7 +2680,10 @@
           <a:bodyPr/>
           <a:lstStyle/>
           <a:p>
-            <a:endParaRPr lang="en-US"/>
+            <a:r>
+              <a:rPr lang="en-US" dirty="0"/>
+              <a:t>https://github.com/DrewNull/optimizely-cms12-upgrade</a:t>
+            </a:r>
           </a:p>
         </p:txBody>
       </p:sp>
@@ -2783,7 +2864,7 @@
           <a:p>
             <a:fld id="{62F1FEC0-222E-48E4-BC33-61B647978835}" type="datetimeFigureOut">
               <a:rPr lang="en-US" smtClean="0"/>
-              <a:t>4/20/2022</a:t>
+              <a:t>4/21/2022</a:t>
             </a:fld>
             <a:endParaRPr lang="en-US"/>
           </a:p>
@@ -2810,7 +2891,10 @@
           <a:bodyPr/>
           <a:lstStyle/>
           <a:p>
-            <a:endParaRPr lang="en-US"/>
+            <a:r>
+              <a:rPr lang="en-US" dirty="0"/>
+              <a:t>https://github.com/DrewNull/optimizely-cms12-upgrade</a:t>
+            </a:r>
           </a:p>
         </p:txBody>
       </p:sp>
@@ -2981,7 +3065,7 @@
           <a:p>
             <a:fld id="{62F1FEC0-222E-48E4-BC33-61B647978835}" type="datetimeFigureOut">
               <a:rPr lang="en-US" smtClean="0"/>
-              <a:t>4/20/2022</a:t>
+              <a:t>4/21/2022</a:t>
             </a:fld>
             <a:endParaRPr lang="en-US"/>
           </a:p>
@@ -3008,7 +3092,10 @@
           <a:bodyPr/>
           <a:lstStyle/>
           <a:p>
-            <a:endParaRPr lang="en-US"/>
+            <a:r>
+              <a:rPr lang="en-US" dirty="0"/>
+              <a:t>https://github.com/DrewNull/optimizely-cms12-upgrade</a:t>
+            </a:r>
           </a:p>
         </p:txBody>
       </p:sp>
@@ -3256,7 +3343,7 @@
           <a:p>
             <a:fld id="{62F1FEC0-222E-48E4-BC33-61B647978835}" type="datetimeFigureOut">
               <a:rPr lang="en-US" smtClean="0"/>
-              <a:t>4/20/2022</a:t>
+              <a:t>4/21/2022</a:t>
             </a:fld>
             <a:endParaRPr lang="en-US"/>
           </a:p>
@@ -3283,7 +3370,10 @@
           <a:bodyPr/>
           <a:lstStyle/>
           <a:p>
-            <a:endParaRPr lang="en-US"/>
+            <a:r>
+              <a:rPr lang="en-US" dirty="0"/>
+              <a:t>https://github.com/DrewNull/optimizely-cms12-upgrade</a:t>
+            </a:r>
           </a:p>
         </p:txBody>
       </p:sp>
@@ -3521,7 +3611,7 @@
           <a:p>
             <a:fld id="{62F1FEC0-222E-48E4-BC33-61B647978835}" type="datetimeFigureOut">
               <a:rPr lang="en-US" smtClean="0"/>
-              <a:t>4/20/2022</a:t>
+              <a:t>4/21/2022</a:t>
             </a:fld>
             <a:endParaRPr lang="en-US"/>
           </a:p>
@@ -3548,7 +3638,10 @@
           <a:bodyPr/>
           <a:lstStyle/>
           <a:p>
-            <a:endParaRPr lang="en-US"/>
+            <a:r>
+              <a:rPr lang="en-US" dirty="0"/>
+              <a:t>https://github.com/DrewNull/optimizely-cms12-upgrade</a:t>
+            </a:r>
           </a:p>
         </p:txBody>
       </p:sp>
@@ -3933,7 +4026,7 @@
           <a:p>
             <a:fld id="{62F1FEC0-222E-48E4-BC33-61B647978835}" type="datetimeFigureOut">
               <a:rPr lang="en-US" smtClean="0"/>
-              <a:t>4/20/2022</a:t>
+              <a:t>4/21/2022</a:t>
             </a:fld>
             <a:endParaRPr lang="en-US"/>
           </a:p>
@@ -3960,7 +4053,10 @@
           <a:bodyPr/>
           <a:lstStyle/>
           <a:p>
-            <a:endParaRPr lang="en-US"/>
+            <a:r>
+              <a:rPr lang="en-US" dirty="0"/>
+              <a:t>https://github.com/DrewNull/optimizely-cms12-upgrade</a:t>
+            </a:r>
           </a:p>
         </p:txBody>
       </p:sp>
@@ -4074,7 +4170,7 @@
           <a:p>
             <a:fld id="{62F1FEC0-222E-48E4-BC33-61B647978835}" type="datetimeFigureOut">
               <a:rPr lang="en-US" smtClean="0"/>
-              <a:t>4/20/2022</a:t>
+              <a:t>4/21/2022</a:t>
             </a:fld>
             <a:endParaRPr lang="en-US"/>
           </a:p>
@@ -4101,7 +4197,10 @@
           <a:bodyPr/>
           <a:lstStyle/>
           <a:p>
-            <a:endParaRPr lang="en-US"/>
+            <a:r>
+              <a:rPr lang="en-US" dirty="0"/>
+              <a:t>https://github.com/DrewNull/optimizely-cms12-upgrade</a:t>
+            </a:r>
           </a:p>
         </p:txBody>
       </p:sp>
@@ -4187,7 +4286,7 @@
           <a:p>
             <a:fld id="{62F1FEC0-222E-48E4-BC33-61B647978835}" type="datetimeFigureOut">
               <a:rPr lang="en-US" smtClean="0"/>
-              <a:t>4/20/2022</a:t>
+              <a:t>4/21/2022</a:t>
             </a:fld>
             <a:endParaRPr lang="en-US"/>
           </a:p>
@@ -4214,7 +4313,10 @@
           <a:bodyPr/>
           <a:lstStyle/>
           <a:p>
-            <a:endParaRPr lang="en-US"/>
+            <a:r>
+              <a:rPr lang="en-US" dirty="0"/>
+              <a:t>https://github.com/DrewNull/optimizely-cms12-upgrade</a:t>
+            </a:r>
           </a:p>
         </p:txBody>
       </p:sp>
@@ -4498,7 +4600,7 @@
           <a:p>
             <a:fld id="{62F1FEC0-222E-48E4-BC33-61B647978835}" type="datetimeFigureOut">
               <a:rPr lang="en-US" smtClean="0"/>
-              <a:t>4/20/2022</a:t>
+              <a:t>4/21/2022</a:t>
             </a:fld>
             <a:endParaRPr lang="en-US"/>
           </a:p>
@@ -4525,7 +4627,10 @@
           <a:bodyPr/>
           <a:lstStyle/>
           <a:p>
-            <a:endParaRPr lang="en-US"/>
+            <a:r>
+              <a:rPr lang="en-US" dirty="0"/>
+              <a:t>https://github.com/DrewNull/optimizely-cms12-upgrade</a:t>
+            </a:r>
           </a:p>
         </p:txBody>
       </p:sp>
@@ -4786,7 +4891,7 @@
           <a:p>
             <a:fld id="{62F1FEC0-222E-48E4-BC33-61B647978835}" type="datetimeFigureOut">
               <a:rPr lang="en-US" smtClean="0"/>
-              <a:t>4/20/2022</a:t>
+              <a:t>4/21/2022</a:t>
             </a:fld>
             <a:endParaRPr lang="en-US"/>
           </a:p>
@@ -4813,7 +4918,10 @@
           <a:bodyPr/>
           <a:lstStyle/>
           <a:p>
-            <a:endParaRPr lang="en-US"/>
+            <a:r>
+              <a:rPr lang="en-US" dirty="0"/>
+              <a:t>https://github.com/DrewNull/optimizely-cms12-upgrade</a:t>
+            </a:r>
           </a:p>
         </p:txBody>
       </p:sp>
@@ -5027,7 +5135,7 @@
           <a:p>
             <a:fld id="{62F1FEC0-222E-48E4-BC33-61B647978835}" type="datetimeFigureOut">
               <a:rPr lang="en-US" smtClean="0"/>
-              <a:t>4/20/2022</a:t>
+              <a:t>4/21/2022</a:t>
             </a:fld>
             <a:endParaRPr lang="en-US"/>
           </a:p>
@@ -5462,9 +5570,7 @@
         </p:nvSpPr>
         <p:spPr/>
         <p:txBody>
-          <a:bodyPr>
-            <a:normAutofit/>
-          </a:bodyPr>
+          <a:bodyPr/>
           <a:lstStyle/>
           <a:p>
             <a:r>
@@ -5504,11 +5610,11 @@
           </a:bodyPr>
           <a:lstStyle/>
           <a:p>
-            <a:endParaRPr lang="en-US" b="1" dirty="0"/>
-          </a:p>
-          <a:p>
-            <a:r>
-              <a:rPr lang="en-US" b="1" dirty="0"/>
+            <a:endParaRPr lang="en-US" dirty="0"/>
+          </a:p>
+          <a:p>
+            <a:r>
+              <a:rPr lang="en-US" dirty="0"/>
               <a:t>Pitfalls to Avoid</a:t>
             </a:r>
             <a:br>
@@ -14248,6 +14354,15 @@
         <p:txBody>
           <a:bodyPr/>
           <a:lstStyle/>
+          <a:p>
+            <a:r>
+              <a:rPr lang="en-US" dirty="0">
+                <a:hlinkClick r:id="rId2"/>
+              </a:rPr>
+              <a:t>https://github.com/DrewNull/optimizely-cms12-upgrade</a:t>
+            </a:r>
+            <a:endParaRPr lang="en-US" dirty="0"/>
+          </a:p>
           <a:p>
             <a:endParaRPr lang="en-US" dirty="0"/>
           </a:p>

--- a/Presentation--Upgrading-to-CMS-12-and-Commerce-14.pptx
+++ b/Presentation--Upgrading-to-CMS-12-and-Commerce-14.pptx
@@ -2,19 +2,19 @@
 <file path=ppt/presentation.xml><?xml version="1.0" encoding="utf-8"?>
 <p:presentation xmlns:a="http://schemas.openxmlformats.org/drawingml/2006/main" xmlns:r="http://schemas.openxmlformats.org/officeDocument/2006/relationships" xmlns:p="http://schemas.openxmlformats.org/presentationml/2006/main" saveSubsetFonts="1">
   <p:sldMasterIdLst>
-    <p:sldMasterId id="2147483648" r:id="rId1"/>
+    <p:sldMasterId id="2147483713" r:id="rId1"/>
   </p:sldMasterIdLst>
   <p:sldIdLst>
     <p:sldId id="271" r:id="rId2"/>
     <p:sldId id="270" r:id="rId3"/>
-    <p:sldId id="298" r:id="rId4"/>
-    <p:sldId id="262" r:id="rId5"/>
-    <p:sldId id="260" r:id="rId6"/>
-    <p:sldId id="261" r:id="rId7"/>
-    <p:sldId id="294" r:id="rId8"/>
-    <p:sldId id="297" r:id="rId9"/>
-    <p:sldId id="299" r:id="rId10"/>
-    <p:sldId id="258" r:id="rId11"/>
+    <p:sldId id="309" r:id="rId4"/>
+    <p:sldId id="298" r:id="rId5"/>
+    <p:sldId id="262" r:id="rId6"/>
+    <p:sldId id="260" r:id="rId7"/>
+    <p:sldId id="261" r:id="rId8"/>
+    <p:sldId id="294" r:id="rId9"/>
+    <p:sldId id="297" r:id="rId10"/>
+    <p:sldId id="299" r:id="rId11"/>
     <p:sldId id="300" r:id="rId12"/>
     <p:sldId id="266" r:id="rId13"/>
     <p:sldId id="275" r:id="rId14"/>
@@ -59,7 +59,7 @@
     <a:defPPr>
       <a:defRPr lang="en-US"/>
     </a:defPPr>
-    <a:lvl1pPr marL="0" algn="l" defTabSz="914400" rtl="0" eaLnBrk="1" latinLnBrk="0" hangingPunct="1">
+    <a:lvl1pPr marL="0" algn="l" defTabSz="457200" rtl="0" eaLnBrk="1" latinLnBrk="0" hangingPunct="1">
       <a:defRPr sz="1800" kern="1200">
         <a:solidFill>
           <a:schemeClr val="tx1"/>
@@ -69,7 +69,7 @@
         <a:cs typeface="+mn-cs"/>
       </a:defRPr>
     </a:lvl1pPr>
-    <a:lvl2pPr marL="457200" algn="l" defTabSz="914400" rtl="0" eaLnBrk="1" latinLnBrk="0" hangingPunct="1">
+    <a:lvl2pPr marL="457200" algn="l" defTabSz="457200" rtl="0" eaLnBrk="1" latinLnBrk="0" hangingPunct="1">
       <a:defRPr sz="1800" kern="1200">
         <a:solidFill>
           <a:schemeClr val="tx1"/>
@@ -79,7 +79,7 @@
         <a:cs typeface="+mn-cs"/>
       </a:defRPr>
     </a:lvl2pPr>
-    <a:lvl3pPr marL="914400" algn="l" defTabSz="914400" rtl="0" eaLnBrk="1" latinLnBrk="0" hangingPunct="1">
+    <a:lvl3pPr marL="914400" algn="l" defTabSz="457200" rtl="0" eaLnBrk="1" latinLnBrk="0" hangingPunct="1">
       <a:defRPr sz="1800" kern="1200">
         <a:solidFill>
           <a:schemeClr val="tx1"/>
@@ -89,7 +89,7 @@
         <a:cs typeface="+mn-cs"/>
       </a:defRPr>
     </a:lvl3pPr>
-    <a:lvl4pPr marL="1371600" algn="l" defTabSz="914400" rtl="0" eaLnBrk="1" latinLnBrk="0" hangingPunct="1">
+    <a:lvl4pPr marL="1371600" algn="l" defTabSz="457200" rtl="0" eaLnBrk="1" latinLnBrk="0" hangingPunct="1">
       <a:defRPr sz="1800" kern="1200">
         <a:solidFill>
           <a:schemeClr val="tx1"/>
@@ -99,7 +99,7 @@
         <a:cs typeface="+mn-cs"/>
       </a:defRPr>
     </a:lvl4pPr>
-    <a:lvl5pPr marL="1828800" algn="l" defTabSz="914400" rtl="0" eaLnBrk="1" latinLnBrk="0" hangingPunct="1">
+    <a:lvl5pPr marL="1828800" algn="l" defTabSz="457200" rtl="0" eaLnBrk="1" latinLnBrk="0" hangingPunct="1">
       <a:defRPr sz="1800" kern="1200">
         <a:solidFill>
           <a:schemeClr val="tx1"/>
@@ -109,7 +109,7 @@
         <a:cs typeface="+mn-cs"/>
       </a:defRPr>
     </a:lvl5pPr>
-    <a:lvl6pPr marL="2286000" algn="l" defTabSz="914400" rtl="0" eaLnBrk="1" latinLnBrk="0" hangingPunct="1">
+    <a:lvl6pPr marL="2286000" algn="l" defTabSz="457200" rtl="0" eaLnBrk="1" latinLnBrk="0" hangingPunct="1">
       <a:defRPr sz="1800" kern="1200">
         <a:solidFill>
           <a:schemeClr val="tx1"/>
@@ -119,7 +119,7 @@
         <a:cs typeface="+mn-cs"/>
       </a:defRPr>
     </a:lvl6pPr>
-    <a:lvl7pPr marL="2743200" algn="l" defTabSz="914400" rtl="0" eaLnBrk="1" latinLnBrk="0" hangingPunct="1">
+    <a:lvl7pPr marL="2743200" algn="l" defTabSz="457200" rtl="0" eaLnBrk="1" latinLnBrk="0" hangingPunct="1">
       <a:defRPr sz="1800" kern="1200">
         <a:solidFill>
           <a:schemeClr val="tx1"/>
@@ -129,7 +129,7 @@
         <a:cs typeface="+mn-cs"/>
       </a:defRPr>
     </a:lvl7pPr>
-    <a:lvl8pPr marL="3200400" algn="l" defTabSz="914400" rtl="0" eaLnBrk="1" latinLnBrk="0" hangingPunct="1">
+    <a:lvl8pPr marL="3200400" algn="l" defTabSz="457200" rtl="0" eaLnBrk="1" latinLnBrk="0" hangingPunct="1">
       <a:defRPr sz="1800" kern="1200">
         <a:solidFill>
           <a:schemeClr val="tx1"/>
@@ -139,7 +139,7 @@
         <a:cs typeface="+mn-cs"/>
       </a:defRPr>
     </a:lvl8pPr>
-    <a:lvl9pPr marL="3657600" algn="l" defTabSz="914400" rtl="0" eaLnBrk="1" latinLnBrk="0" hangingPunct="1">
+    <a:lvl9pPr marL="3657600" algn="l" defTabSz="457200" rtl="0" eaLnBrk="1" latinLnBrk="0" hangingPunct="1">
       <a:defRPr sz="1800" kern="1200">
         <a:solidFill>
           <a:schemeClr val="tx1"/>
@@ -157,6 +157,7 @@
           <p14:sldIdLst>
             <p14:sldId id="271"/>
             <p14:sldId id="270"/>
+            <p14:sldId id="309"/>
           </p14:sldIdLst>
         </p14:section>
         <p14:section name="Phase 0" id="{78C43764-CF46-4E3B-A927-52DAA61AF972}">
@@ -168,7 +169,6 @@
             <p14:sldId id="294"/>
             <p14:sldId id="297"/>
             <p14:sldId id="299"/>
-            <p14:sldId id="258"/>
           </p14:sldIdLst>
         </p14:section>
         <p14:section name="Phase 1" id="{1C3F5581-4016-4A8A-9952-BC1CBE7E2C06}">
@@ -2324,13 +2324,7 @@
       </p:grpSpPr>
       <p:sp>
         <p:nvSpPr>
-          <p:cNvPr id="2" name="Title 1">
-            <a:extLst>
-              <a:ext uri="{FF2B5EF4-FFF2-40B4-BE49-F238E27FC236}">
-                <a16:creationId xmlns:a16="http://schemas.microsoft.com/office/drawing/2014/main" id="{276E7FDA-D9A9-BF6B-B019-13E12BA21457}"/>
-              </a:ext>
-            </a:extLst>
-          </p:cNvPr>
+          <p:cNvPr id="2" name="Title 1"/>
           <p:cNvSpPr>
             <a:spLocks noGrp="1"/>
           </p:cNvSpPr>
@@ -2356,18 +2350,13 @@
               <a:rPr lang="en-US"/>
               <a:t>Click to edit Master title style</a:t>
             </a:r>
-          </a:p>
-        </p:txBody>
-      </p:sp>
-      <p:sp>
-        <p:nvSpPr>
-          <p:cNvPr id="3" name="Subtitle 2">
-            <a:extLst>
-              <a:ext uri="{FF2B5EF4-FFF2-40B4-BE49-F238E27FC236}">
-                <a16:creationId xmlns:a16="http://schemas.microsoft.com/office/drawing/2014/main" id="{7F00DB38-9922-599E-A40F-C7A8DD75E316}"/>
-              </a:ext>
-            </a:extLst>
-          </p:cNvPr>
+            <a:endParaRPr lang="en-US" dirty="0"/>
+          </a:p>
+        </p:txBody>
+      </p:sp>
+      <p:sp>
+        <p:nvSpPr>
+          <p:cNvPr id="3" name="Subtitle 2"/>
           <p:cNvSpPr>
             <a:spLocks noGrp="1"/>
           </p:cNvSpPr>
@@ -2426,18 +2415,13 @@
               <a:rPr lang="en-US"/>
               <a:t>Click to edit Master subtitle style</a:t>
             </a:r>
-          </a:p>
-        </p:txBody>
-      </p:sp>
-      <p:sp>
-        <p:nvSpPr>
-          <p:cNvPr id="4" name="Date Placeholder 3">
-            <a:extLst>
-              <a:ext uri="{FF2B5EF4-FFF2-40B4-BE49-F238E27FC236}">
-                <a16:creationId xmlns:a16="http://schemas.microsoft.com/office/drawing/2014/main" id="{52E40EC5-84C8-5156-4D5F-0002023D1C62}"/>
-              </a:ext>
-            </a:extLst>
-          </p:cNvPr>
+            <a:endParaRPr lang="en-US" dirty="0"/>
+          </a:p>
+        </p:txBody>
+      </p:sp>
+      <p:sp>
+        <p:nvSpPr>
+          <p:cNvPr id="4" name="Date Placeholder 3"/>
           <p:cNvSpPr>
             <a:spLocks noGrp="1"/>
           </p:cNvSpPr>
@@ -2460,13 +2444,7 @@
       </p:sp>
       <p:sp>
         <p:nvSpPr>
-          <p:cNvPr id="5" name="Footer Placeholder 4">
-            <a:extLst>
-              <a:ext uri="{FF2B5EF4-FFF2-40B4-BE49-F238E27FC236}">
-                <a16:creationId xmlns:a16="http://schemas.microsoft.com/office/drawing/2014/main" id="{DA091E0F-49C3-521F-7365-70DDCDDD27E7}"/>
-              </a:ext>
-            </a:extLst>
-          </p:cNvPr>
+          <p:cNvPr id="5" name="Footer Placeholder 4"/>
           <p:cNvSpPr>
             <a:spLocks noGrp="1"/>
           </p:cNvSpPr>
@@ -2480,21 +2458,16 @@
           <a:lstStyle/>
           <a:p>
             <a:r>
-              <a:rPr lang="en-US" dirty="0"/>
+              <a:rPr lang="en-US"/>
               <a:t>https://github.com/DrewNull/optimizely-cms12-upgrade</a:t>
             </a:r>
-          </a:p>
-        </p:txBody>
-      </p:sp>
-      <p:sp>
-        <p:nvSpPr>
-          <p:cNvPr id="6" name="Slide Number Placeholder 5">
-            <a:extLst>
-              <a:ext uri="{FF2B5EF4-FFF2-40B4-BE49-F238E27FC236}">
-                <a16:creationId xmlns:a16="http://schemas.microsoft.com/office/drawing/2014/main" id="{04010AAE-E329-D383-EC78-65292A14307E}"/>
-              </a:ext>
-            </a:extLst>
-          </p:cNvPr>
+            <a:endParaRPr lang="en-US" dirty="0"/>
+          </a:p>
+        </p:txBody>
+      </p:sp>
+      <p:sp>
+        <p:nvSpPr>
+          <p:cNvPr id="6" name="Slide Number Placeholder 5"/>
           <p:cNvSpPr>
             <a:spLocks noGrp="1"/>
           </p:cNvSpPr>
@@ -2518,7 +2491,7 @@
     </p:spTree>
     <p:extLst>
       <p:ext uri="{BB962C8B-B14F-4D97-AF65-F5344CB8AC3E}">
-        <p14:creationId xmlns:p14="http://schemas.microsoft.com/office/powerpoint/2010/main" val="2375374297"/>
+        <p14:creationId xmlns:p14="http://schemas.microsoft.com/office/powerpoint/2010/main" val="3433669781"/>
       </p:ext>
     </p:extLst>
   </p:cSld>
@@ -2547,13 +2520,7 @@
       </p:grpSpPr>
       <p:sp>
         <p:nvSpPr>
-          <p:cNvPr id="2" name="Title 1">
-            <a:extLst>
-              <a:ext uri="{FF2B5EF4-FFF2-40B4-BE49-F238E27FC236}">
-                <a16:creationId xmlns:a16="http://schemas.microsoft.com/office/drawing/2014/main" id="{EACDC098-F495-E6B9-EBFB-E00446DA3639}"/>
-              </a:ext>
-            </a:extLst>
-          </p:cNvPr>
+          <p:cNvPr id="2" name="Title 1"/>
           <p:cNvSpPr>
             <a:spLocks noGrp="1"/>
           </p:cNvSpPr>
@@ -2570,18 +2537,13 @@
               <a:rPr lang="en-US"/>
               <a:t>Click to edit Master title style</a:t>
             </a:r>
-          </a:p>
-        </p:txBody>
-      </p:sp>
-      <p:sp>
-        <p:nvSpPr>
-          <p:cNvPr id="3" name="Vertical Text Placeholder 2">
-            <a:extLst>
-              <a:ext uri="{FF2B5EF4-FFF2-40B4-BE49-F238E27FC236}">
-                <a16:creationId xmlns:a16="http://schemas.microsoft.com/office/drawing/2014/main" id="{A8E8FFED-6B21-BC0B-C981-B03EC727E580}"/>
-              </a:ext>
-            </a:extLst>
-          </p:cNvPr>
+            <a:endParaRPr lang="en-US" dirty="0"/>
+          </a:p>
+        </p:txBody>
+      </p:sp>
+      <p:sp>
+        <p:nvSpPr>
+          <p:cNvPr id="3" name="Vertical Text Placeholder 2"/>
           <p:cNvSpPr>
             <a:spLocks noGrp="1"/>
           </p:cNvSpPr>
@@ -2627,18 +2589,13 @@
               <a:rPr lang="en-US"/>
               <a:t>Fifth level</a:t>
             </a:r>
-          </a:p>
-        </p:txBody>
-      </p:sp>
-      <p:sp>
-        <p:nvSpPr>
-          <p:cNvPr id="4" name="Date Placeholder 3">
-            <a:extLst>
-              <a:ext uri="{FF2B5EF4-FFF2-40B4-BE49-F238E27FC236}">
-                <a16:creationId xmlns:a16="http://schemas.microsoft.com/office/drawing/2014/main" id="{F2CB409D-FEEB-051B-4A03-96757574A09E}"/>
-              </a:ext>
-            </a:extLst>
-          </p:cNvPr>
+            <a:endParaRPr lang="en-US" dirty="0"/>
+          </a:p>
+        </p:txBody>
+      </p:sp>
+      <p:sp>
+        <p:nvSpPr>
+          <p:cNvPr id="4" name="Date Placeholder 3"/>
           <p:cNvSpPr>
             <a:spLocks noGrp="1"/>
           </p:cNvSpPr>
@@ -2661,13 +2618,7 @@
       </p:sp>
       <p:sp>
         <p:nvSpPr>
-          <p:cNvPr id="5" name="Footer Placeholder 4">
-            <a:extLst>
-              <a:ext uri="{FF2B5EF4-FFF2-40B4-BE49-F238E27FC236}">
-                <a16:creationId xmlns:a16="http://schemas.microsoft.com/office/drawing/2014/main" id="{8BF99FA0-03AF-D7E4-F758-61F56977DB61}"/>
-              </a:ext>
-            </a:extLst>
-          </p:cNvPr>
+          <p:cNvPr id="5" name="Footer Placeholder 4"/>
           <p:cNvSpPr>
             <a:spLocks noGrp="1"/>
           </p:cNvSpPr>
@@ -2681,21 +2632,16 @@
           <a:lstStyle/>
           <a:p>
             <a:r>
-              <a:rPr lang="en-US" dirty="0"/>
+              <a:rPr lang="en-US"/>
               <a:t>https://github.com/DrewNull/optimizely-cms12-upgrade</a:t>
             </a:r>
-          </a:p>
-        </p:txBody>
-      </p:sp>
-      <p:sp>
-        <p:nvSpPr>
-          <p:cNvPr id="6" name="Slide Number Placeholder 5">
-            <a:extLst>
-              <a:ext uri="{FF2B5EF4-FFF2-40B4-BE49-F238E27FC236}">
-                <a16:creationId xmlns:a16="http://schemas.microsoft.com/office/drawing/2014/main" id="{34188719-C795-038D-0FF1-FFE970FAFBDF}"/>
-              </a:ext>
-            </a:extLst>
-          </p:cNvPr>
+            <a:endParaRPr lang="en-US" dirty="0"/>
+          </a:p>
+        </p:txBody>
+      </p:sp>
+      <p:sp>
+        <p:nvSpPr>
+          <p:cNvPr id="6" name="Slide Number Placeholder 5"/>
           <p:cNvSpPr>
             <a:spLocks noGrp="1"/>
           </p:cNvSpPr>
@@ -2719,7 +2665,7 @@
     </p:spTree>
     <p:extLst>
       <p:ext uri="{BB962C8B-B14F-4D97-AF65-F5344CB8AC3E}">
-        <p14:creationId xmlns:p14="http://schemas.microsoft.com/office/powerpoint/2010/main" val="1926750267"/>
+        <p14:creationId xmlns:p14="http://schemas.microsoft.com/office/powerpoint/2010/main" val="1798145920"/>
       </p:ext>
     </p:extLst>
   </p:cSld>
@@ -2748,13 +2694,7 @@
       </p:grpSpPr>
       <p:sp>
         <p:nvSpPr>
-          <p:cNvPr id="2" name="Vertical Title 1">
-            <a:extLst>
-              <a:ext uri="{FF2B5EF4-FFF2-40B4-BE49-F238E27FC236}">
-                <a16:creationId xmlns:a16="http://schemas.microsoft.com/office/drawing/2014/main" id="{BC652C32-7A99-17A5-4221-A2C5FFE27937}"/>
-              </a:ext>
-            </a:extLst>
-          </p:cNvPr>
+          <p:cNvPr id="2" name="Vertical Title 1"/>
           <p:cNvSpPr>
             <a:spLocks noGrp="1"/>
           </p:cNvSpPr>
@@ -2776,18 +2716,13 @@
               <a:rPr lang="en-US"/>
               <a:t>Click to edit Master title style</a:t>
             </a:r>
-          </a:p>
-        </p:txBody>
-      </p:sp>
-      <p:sp>
-        <p:nvSpPr>
-          <p:cNvPr id="3" name="Vertical Text Placeholder 2">
-            <a:extLst>
-              <a:ext uri="{FF2B5EF4-FFF2-40B4-BE49-F238E27FC236}">
-                <a16:creationId xmlns:a16="http://schemas.microsoft.com/office/drawing/2014/main" id="{F161BAE3-5C6F-CBE5-2162-9D535472A97A}"/>
-              </a:ext>
-            </a:extLst>
-          </p:cNvPr>
+            <a:endParaRPr lang="en-US" dirty="0"/>
+          </a:p>
+        </p:txBody>
+      </p:sp>
+      <p:sp>
+        <p:nvSpPr>
+          <p:cNvPr id="3" name="Vertical Text Placeholder 2"/>
           <p:cNvSpPr>
             <a:spLocks noGrp="1"/>
           </p:cNvSpPr>
@@ -2838,18 +2773,13 @@
               <a:rPr lang="en-US"/>
               <a:t>Fifth level</a:t>
             </a:r>
-          </a:p>
-        </p:txBody>
-      </p:sp>
-      <p:sp>
-        <p:nvSpPr>
-          <p:cNvPr id="4" name="Date Placeholder 3">
-            <a:extLst>
-              <a:ext uri="{FF2B5EF4-FFF2-40B4-BE49-F238E27FC236}">
-                <a16:creationId xmlns:a16="http://schemas.microsoft.com/office/drawing/2014/main" id="{DA18AD1D-23DE-E204-BA55-B61F573AA7B6}"/>
-              </a:ext>
-            </a:extLst>
-          </p:cNvPr>
+            <a:endParaRPr lang="en-US" dirty="0"/>
+          </a:p>
+        </p:txBody>
+      </p:sp>
+      <p:sp>
+        <p:nvSpPr>
+          <p:cNvPr id="4" name="Date Placeholder 3"/>
           <p:cNvSpPr>
             <a:spLocks noGrp="1"/>
           </p:cNvSpPr>
@@ -2872,13 +2802,7 @@
       </p:sp>
       <p:sp>
         <p:nvSpPr>
-          <p:cNvPr id="5" name="Footer Placeholder 4">
-            <a:extLst>
-              <a:ext uri="{FF2B5EF4-FFF2-40B4-BE49-F238E27FC236}">
-                <a16:creationId xmlns:a16="http://schemas.microsoft.com/office/drawing/2014/main" id="{8C1D4BCB-68B2-915A-A6E1-8574EC0CF9FA}"/>
-              </a:ext>
-            </a:extLst>
-          </p:cNvPr>
+          <p:cNvPr id="5" name="Footer Placeholder 4"/>
           <p:cNvSpPr>
             <a:spLocks noGrp="1"/>
           </p:cNvSpPr>
@@ -2892,21 +2816,16 @@
           <a:lstStyle/>
           <a:p>
             <a:r>
-              <a:rPr lang="en-US" dirty="0"/>
+              <a:rPr lang="en-US"/>
               <a:t>https://github.com/DrewNull/optimizely-cms12-upgrade</a:t>
             </a:r>
-          </a:p>
-        </p:txBody>
-      </p:sp>
-      <p:sp>
-        <p:nvSpPr>
-          <p:cNvPr id="6" name="Slide Number Placeholder 5">
-            <a:extLst>
-              <a:ext uri="{FF2B5EF4-FFF2-40B4-BE49-F238E27FC236}">
-                <a16:creationId xmlns:a16="http://schemas.microsoft.com/office/drawing/2014/main" id="{497D9DCD-DEC4-597E-3561-C2B420406057}"/>
-              </a:ext>
-            </a:extLst>
-          </p:cNvPr>
+            <a:endParaRPr lang="en-US" dirty="0"/>
+          </a:p>
+        </p:txBody>
+      </p:sp>
+      <p:sp>
+        <p:nvSpPr>
+          <p:cNvPr id="6" name="Slide Number Placeholder 5"/>
           <p:cNvSpPr>
             <a:spLocks noGrp="1"/>
           </p:cNvSpPr>
@@ -2930,7 +2849,7 @@
     </p:spTree>
     <p:extLst>
       <p:ext uri="{BB962C8B-B14F-4D97-AF65-F5344CB8AC3E}">
-        <p14:creationId xmlns:p14="http://schemas.microsoft.com/office/powerpoint/2010/main" val="1718504465"/>
+        <p14:creationId xmlns:p14="http://schemas.microsoft.com/office/powerpoint/2010/main" val="1166873345"/>
       </p:ext>
     </p:extLst>
   </p:cSld>
@@ -2959,13 +2878,7 @@
       </p:grpSpPr>
       <p:sp>
         <p:nvSpPr>
-          <p:cNvPr id="2" name="Title 1">
-            <a:extLst>
-              <a:ext uri="{FF2B5EF4-FFF2-40B4-BE49-F238E27FC236}">
-                <a16:creationId xmlns:a16="http://schemas.microsoft.com/office/drawing/2014/main" id="{03DF87D0-B8BC-3BA0-C77C-A749CF9313CC}"/>
-              </a:ext>
-            </a:extLst>
-          </p:cNvPr>
+          <p:cNvPr id="2" name="Title 1"/>
           <p:cNvSpPr>
             <a:spLocks noGrp="1"/>
           </p:cNvSpPr>
@@ -2982,18 +2895,13 @@
               <a:rPr lang="en-US"/>
               <a:t>Click to edit Master title style</a:t>
             </a:r>
-          </a:p>
-        </p:txBody>
-      </p:sp>
-      <p:sp>
-        <p:nvSpPr>
-          <p:cNvPr id="3" name="Content Placeholder 2">
-            <a:extLst>
-              <a:ext uri="{FF2B5EF4-FFF2-40B4-BE49-F238E27FC236}">
-                <a16:creationId xmlns:a16="http://schemas.microsoft.com/office/drawing/2014/main" id="{428BEA4C-5089-2734-F606-F5A150A2159C}"/>
-              </a:ext>
-            </a:extLst>
-          </p:cNvPr>
+            <a:endParaRPr lang="en-US" dirty="0"/>
+          </a:p>
+        </p:txBody>
+      </p:sp>
+      <p:sp>
+        <p:nvSpPr>
+          <p:cNvPr id="3" name="Content Placeholder 2"/>
           <p:cNvSpPr>
             <a:spLocks noGrp="1"/>
           </p:cNvSpPr>
@@ -3039,18 +2947,13 @@
               <a:rPr lang="en-US"/>
               <a:t>Fifth level</a:t>
             </a:r>
-          </a:p>
-        </p:txBody>
-      </p:sp>
-      <p:sp>
-        <p:nvSpPr>
-          <p:cNvPr id="4" name="Date Placeholder 3">
-            <a:extLst>
-              <a:ext uri="{FF2B5EF4-FFF2-40B4-BE49-F238E27FC236}">
-                <a16:creationId xmlns:a16="http://schemas.microsoft.com/office/drawing/2014/main" id="{1887C15B-F450-1CD1-F546-A226BECBEA7E}"/>
-              </a:ext>
-            </a:extLst>
-          </p:cNvPr>
+            <a:endParaRPr lang="en-US" dirty="0"/>
+          </a:p>
+        </p:txBody>
+      </p:sp>
+      <p:sp>
+        <p:nvSpPr>
+          <p:cNvPr id="4" name="Date Placeholder 3"/>
           <p:cNvSpPr>
             <a:spLocks noGrp="1"/>
           </p:cNvSpPr>
@@ -3073,13 +2976,7 @@
       </p:sp>
       <p:sp>
         <p:nvSpPr>
-          <p:cNvPr id="5" name="Footer Placeholder 4">
-            <a:extLst>
-              <a:ext uri="{FF2B5EF4-FFF2-40B4-BE49-F238E27FC236}">
-                <a16:creationId xmlns:a16="http://schemas.microsoft.com/office/drawing/2014/main" id="{51F791E4-46C0-1622-EC69-925CF49537BF}"/>
-              </a:ext>
-            </a:extLst>
-          </p:cNvPr>
+          <p:cNvPr id="5" name="Footer Placeholder 4"/>
           <p:cNvSpPr>
             <a:spLocks noGrp="1"/>
           </p:cNvSpPr>
@@ -3093,21 +2990,16 @@
           <a:lstStyle/>
           <a:p>
             <a:r>
-              <a:rPr lang="en-US" dirty="0"/>
+              <a:rPr lang="en-US"/>
               <a:t>https://github.com/DrewNull/optimizely-cms12-upgrade</a:t>
             </a:r>
-          </a:p>
-        </p:txBody>
-      </p:sp>
-      <p:sp>
-        <p:nvSpPr>
-          <p:cNvPr id="6" name="Slide Number Placeholder 5">
-            <a:extLst>
-              <a:ext uri="{FF2B5EF4-FFF2-40B4-BE49-F238E27FC236}">
-                <a16:creationId xmlns:a16="http://schemas.microsoft.com/office/drawing/2014/main" id="{9BD64CE5-3612-DDE5-FA3A-6A0E71BE3B35}"/>
-              </a:ext>
-            </a:extLst>
-          </p:cNvPr>
+            <a:endParaRPr lang="en-US" dirty="0"/>
+          </a:p>
+        </p:txBody>
+      </p:sp>
+      <p:sp>
+        <p:nvSpPr>
+          <p:cNvPr id="6" name="Slide Number Placeholder 5"/>
           <p:cNvSpPr>
             <a:spLocks noGrp="1"/>
           </p:cNvSpPr>
@@ -3131,7 +3023,7 @@
     </p:spTree>
     <p:extLst>
       <p:ext uri="{BB962C8B-B14F-4D97-AF65-F5344CB8AC3E}">
-        <p14:creationId xmlns:p14="http://schemas.microsoft.com/office/powerpoint/2010/main" val="1723998623"/>
+        <p14:creationId xmlns:p14="http://schemas.microsoft.com/office/powerpoint/2010/main" val="158638014"/>
       </p:ext>
     </p:extLst>
   </p:cSld>
@@ -3160,13 +3052,7 @@
       </p:grpSpPr>
       <p:sp>
         <p:nvSpPr>
-          <p:cNvPr id="2" name="Title 1">
-            <a:extLst>
-              <a:ext uri="{FF2B5EF4-FFF2-40B4-BE49-F238E27FC236}">
-                <a16:creationId xmlns:a16="http://schemas.microsoft.com/office/drawing/2014/main" id="{2353AB68-1B50-9749-4B1C-C9C11C8256B8}"/>
-              </a:ext>
-            </a:extLst>
-          </p:cNvPr>
+          <p:cNvPr id="2" name="Title 1"/>
           <p:cNvSpPr>
             <a:spLocks noGrp="1"/>
           </p:cNvSpPr>
@@ -3192,18 +3078,13 @@
               <a:rPr lang="en-US"/>
               <a:t>Click to edit Master title style</a:t>
             </a:r>
-          </a:p>
-        </p:txBody>
-      </p:sp>
-      <p:sp>
-        <p:nvSpPr>
-          <p:cNvPr id="3" name="Text Placeholder 2">
-            <a:extLst>
-              <a:ext uri="{FF2B5EF4-FFF2-40B4-BE49-F238E27FC236}">
-                <a16:creationId xmlns:a16="http://schemas.microsoft.com/office/drawing/2014/main" id="{E211B2C1-8578-37A6-AE3B-551A5F0C131E}"/>
-              </a:ext>
-            </a:extLst>
-          </p:cNvPr>
+            <a:endParaRPr lang="en-US" dirty="0"/>
+          </a:p>
+        </p:txBody>
+      </p:sp>
+      <p:sp>
+        <p:nvSpPr>
+          <p:cNvPr id="3" name="Text Placeholder 2"/>
           <p:cNvSpPr>
             <a:spLocks noGrp="1"/>
           </p:cNvSpPr>
@@ -3322,13 +3203,7 @@
       </p:sp>
       <p:sp>
         <p:nvSpPr>
-          <p:cNvPr id="4" name="Date Placeholder 3">
-            <a:extLst>
-              <a:ext uri="{FF2B5EF4-FFF2-40B4-BE49-F238E27FC236}">
-                <a16:creationId xmlns:a16="http://schemas.microsoft.com/office/drawing/2014/main" id="{49C3A0AB-4C6F-958D-2511-3035344D8D80}"/>
-              </a:ext>
-            </a:extLst>
-          </p:cNvPr>
+          <p:cNvPr id="4" name="Date Placeholder 3"/>
           <p:cNvSpPr>
             <a:spLocks noGrp="1"/>
           </p:cNvSpPr>
@@ -3351,13 +3226,7 @@
       </p:sp>
       <p:sp>
         <p:nvSpPr>
-          <p:cNvPr id="5" name="Footer Placeholder 4">
-            <a:extLst>
-              <a:ext uri="{FF2B5EF4-FFF2-40B4-BE49-F238E27FC236}">
-                <a16:creationId xmlns:a16="http://schemas.microsoft.com/office/drawing/2014/main" id="{489D0A94-5AD3-390E-CBF2-3958C86ED71E}"/>
-              </a:ext>
-            </a:extLst>
-          </p:cNvPr>
+          <p:cNvPr id="5" name="Footer Placeholder 4"/>
           <p:cNvSpPr>
             <a:spLocks noGrp="1"/>
           </p:cNvSpPr>
@@ -3371,21 +3240,16 @@
           <a:lstStyle/>
           <a:p>
             <a:r>
-              <a:rPr lang="en-US" dirty="0"/>
+              <a:rPr lang="en-US"/>
               <a:t>https://github.com/DrewNull/optimizely-cms12-upgrade</a:t>
             </a:r>
-          </a:p>
-        </p:txBody>
-      </p:sp>
-      <p:sp>
-        <p:nvSpPr>
-          <p:cNvPr id="6" name="Slide Number Placeholder 5">
-            <a:extLst>
-              <a:ext uri="{FF2B5EF4-FFF2-40B4-BE49-F238E27FC236}">
-                <a16:creationId xmlns:a16="http://schemas.microsoft.com/office/drawing/2014/main" id="{677D6D52-AE35-2705-BCFE-7927306A7B87}"/>
-              </a:ext>
-            </a:extLst>
-          </p:cNvPr>
+            <a:endParaRPr lang="en-US" dirty="0"/>
+          </a:p>
+        </p:txBody>
+      </p:sp>
+      <p:sp>
+        <p:nvSpPr>
+          <p:cNvPr id="6" name="Slide Number Placeholder 5"/>
           <p:cNvSpPr>
             <a:spLocks noGrp="1"/>
           </p:cNvSpPr>
@@ -3409,7 +3273,7 @@
     </p:spTree>
     <p:extLst>
       <p:ext uri="{BB962C8B-B14F-4D97-AF65-F5344CB8AC3E}">
-        <p14:creationId xmlns:p14="http://schemas.microsoft.com/office/powerpoint/2010/main" val="4067977791"/>
+        <p14:creationId xmlns:p14="http://schemas.microsoft.com/office/powerpoint/2010/main" val="431344803"/>
       </p:ext>
     </p:extLst>
   </p:cSld>
@@ -3438,13 +3302,7 @@
       </p:grpSpPr>
       <p:sp>
         <p:nvSpPr>
-          <p:cNvPr id="2" name="Title 1">
-            <a:extLst>
-              <a:ext uri="{FF2B5EF4-FFF2-40B4-BE49-F238E27FC236}">
-                <a16:creationId xmlns:a16="http://schemas.microsoft.com/office/drawing/2014/main" id="{4E71EA92-3E1F-D786-1BE8-7D0C0E9C90AF}"/>
-              </a:ext>
-            </a:extLst>
-          </p:cNvPr>
+          <p:cNvPr id="2" name="Title 1"/>
           <p:cNvSpPr>
             <a:spLocks noGrp="1"/>
           </p:cNvSpPr>
@@ -3461,18 +3319,13 @@
               <a:rPr lang="en-US"/>
               <a:t>Click to edit Master title style</a:t>
             </a:r>
-          </a:p>
-        </p:txBody>
-      </p:sp>
-      <p:sp>
-        <p:nvSpPr>
-          <p:cNvPr id="3" name="Content Placeholder 2">
-            <a:extLst>
-              <a:ext uri="{FF2B5EF4-FFF2-40B4-BE49-F238E27FC236}">
-                <a16:creationId xmlns:a16="http://schemas.microsoft.com/office/drawing/2014/main" id="{0BA86338-3F40-79BF-F8F6-3CC6C687C2BC}"/>
-              </a:ext>
-            </a:extLst>
-          </p:cNvPr>
+            <a:endParaRPr lang="en-US" dirty="0"/>
+          </a:p>
+        </p:txBody>
+      </p:sp>
+      <p:sp>
+        <p:nvSpPr>
+          <p:cNvPr id="3" name="Content Placeholder 2"/>
           <p:cNvSpPr>
             <a:spLocks noGrp="1"/>
           </p:cNvSpPr>
@@ -3523,18 +3376,13 @@
               <a:rPr lang="en-US"/>
               <a:t>Fifth level</a:t>
             </a:r>
-          </a:p>
-        </p:txBody>
-      </p:sp>
-      <p:sp>
-        <p:nvSpPr>
-          <p:cNvPr id="4" name="Content Placeholder 3">
-            <a:extLst>
-              <a:ext uri="{FF2B5EF4-FFF2-40B4-BE49-F238E27FC236}">
-                <a16:creationId xmlns:a16="http://schemas.microsoft.com/office/drawing/2014/main" id="{2683A62E-BB3C-24FB-293D-958AABD92DBB}"/>
-              </a:ext>
-            </a:extLst>
-          </p:cNvPr>
+            <a:endParaRPr lang="en-US" dirty="0"/>
+          </a:p>
+        </p:txBody>
+      </p:sp>
+      <p:sp>
+        <p:nvSpPr>
+          <p:cNvPr id="4" name="Content Placeholder 3"/>
           <p:cNvSpPr>
             <a:spLocks noGrp="1"/>
           </p:cNvSpPr>
@@ -3585,18 +3433,13 @@
               <a:rPr lang="en-US"/>
               <a:t>Fifth level</a:t>
             </a:r>
-          </a:p>
-        </p:txBody>
-      </p:sp>
-      <p:sp>
-        <p:nvSpPr>
-          <p:cNvPr id="5" name="Date Placeholder 4">
-            <a:extLst>
-              <a:ext uri="{FF2B5EF4-FFF2-40B4-BE49-F238E27FC236}">
-                <a16:creationId xmlns:a16="http://schemas.microsoft.com/office/drawing/2014/main" id="{FA91D9BA-C73F-58E5-36C5-65ADC0B0AFB3}"/>
-              </a:ext>
-            </a:extLst>
-          </p:cNvPr>
+            <a:endParaRPr lang="en-US" dirty="0"/>
+          </a:p>
+        </p:txBody>
+      </p:sp>
+      <p:sp>
+        <p:nvSpPr>
+          <p:cNvPr id="5" name="Date Placeholder 4"/>
           <p:cNvSpPr>
             <a:spLocks noGrp="1"/>
           </p:cNvSpPr>
@@ -3619,13 +3462,7 @@
       </p:sp>
       <p:sp>
         <p:nvSpPr>
-          <p:cNvPr id="6" name="Footer Placeholder 5">
-            <a:extLst>
-              <a:ext uri="{FF2B5EF4-FFF2-40B4-BE49-F238E27FC236}">
-                <a16:creationId xmlns:a16="http://schemas.microsoft.com/office/drawing/2014/main" id="{7375399D-3F13-D65F-F990-77051360A138}"/>
-              </a:ext>
-            </a:extLst>
-          </p:cNvPr>
+          <p:cNvPr id="6" name="Footer Placeholder 5"/>
           <p:cNvSpPr>
             <a:spLocks noGrp="1"/>
           </p:cNvSpPr>
@@ -3639,21 +3476,16 @@
           <a:lstStyle/>
           <a:p>
             <a:r>
-              <a:rPr lang="en-US" dirty="0"/>
+              <a:rPr lang="en-US"/>
               <a:t>https://github.com/DrewNull/optimizely-cms12-upgrade</a:t>
             </a:r>
-          </a:p>
-        </p:txBody>
-      </p:sp>
-      <p:sp>
-        <p:nvSpPr>
-          <p:cNvPr id="7" name="Slide Number Placeholder 6">
-            <a:extLst>
-              <a:ext uri="{FF2B5EF4-FFF2-40B4-BE49-F238E27FC236}">
-                <a16:creationId xmlns:a16="http://schemas.microsoft.com/office/drawing/2014/main" id="{524DD536-F861-989C-D69A-CA57AC6891FB}"/>
-              </a:ext>
-            </a:extLst>
-          </p:cNvPr>
+            <a:endParaRPr lang="en-US" dirty="0"/>
+          </a:p>
+        </p:txBody>
+      </p:sp>
+      <p:sp>
+        <p:nvSpPr>
+          <p:cNvPr id="7" name="Slide Number Placeholder 6"/>
           <p:cNvSpPr>
             <a:spLocks noGrp="1"/>
           </p:cNvSpPr>
@@ -3677,7 +3509,7 @@
     </p:spTree>
     <p:extLst>
       <p:ext uri="{BB962C8B-B14F-4D97-AF65-F5344CB8AC3E}">
-        <p14:creationId xmlns:p14="http://schemas.microsoft.com/office/powerpoint/2010/main" val="3739963111"/>
+        <p14:creationId xmlns:p14="http://schemas.microsoft.com/office/powerpoint/2010/main" val="3748068870"/>
       </p:ext>
     </p:extLst>
   </p:cSld>
@@ -3706,13 +3538,7 @@
       </p:grpSpPr>
       <p:sp>
         <p:nvSpPr>
-          <p:cNvPr id="2" name="Title 1">
-            <a:extLst>
-              <a:ext uri="{FF2B5EF4-FFF2-40B4-BE49-F238E27FC236}">
-                <a16:creationId xmlns:a16="http://schemas.microsoft.com/office/drawing/2014/main" id="{FF48F984-927E-614F-7958-B318A3400355}"/>
-              </a:ext>
-            </a:extLst>
-          </p:cNvPr>
+          <p:cNvPr id="2" name="Title 1"/>
           <p:cNvSpPr>
             <a:spLocks noGrp="1"/>
           </p:cNvSpPr>
@@ -3734,18 +3560,13 @@
               <a:rPr lang="en-US"/>
               <a:t>Click to edit Master title style</a:t>
             </a:r>
-          </a:p>
-        </p:txBody>
-      </p:sp>
-      <p:sp>
-        <p:nvSpPr>
-          <p:cNvPr id="3" name="Text Placeholder 2">
-            <a:extLst>
-              <a:ext uri="{FF2B5EF4-FFF2-40B4-BE49-F238E27FC236}">
-                <a16:creationId xmlns:a16="http://schemas.microsoft.com/office/drawing/2014/main" id="{0BBF8DA2-F811-B8F1-B4FF-B23A8097B8C7}"/>
-              </a:ext>
-            </a:extLst>
-          </p:cNvPr>
+            <a:endParaRPr lang="en-US" dirty="0"/>
+          </a:p>
+        </p:txBody>
+      </p:sp>
+      <p:sp>
+        <p:nvSpPr>
+          <p:cNvPr id="3" name="Text Placeholder 2"/>
           <p:cNvSpPr>
             <a:spLocks noGrp="1"/>
           </p:cNvSpPr>
@@ -3810,13 +3631,7 @@
       </p:sp>
       <p:sp>
         <p:nvSpPr>
-          <p:cNvPr id="4" name="Content Placeholder 3">
-            <a:extLst>
-              <a:ext uri="{FF2B5EF4-FFF2-40B4-BE49-F238E27FC236}">
-                <a16:creationId xmlns:a16="http://schemas.microsoft.com/office/drawing/2014/main" id="{C1C7FF1C-52AB-E315-80CA-EC4B97A81AE9}"/>
-              </a:ext>
-            </a:extLst>
-          </p:cNvPr>
+          <p:cNvPr id="4" name="Content Placeholder 3"/>
           <p:cNvSpPr>
             <a:spLocks noGrp="1"/>
           </p:cNvSpPr>
@@ -3867,18 +3682,13 @@
               <a:rPr lang="en-US"/>
               <a:t>Fifth level</a:t>
             </a:r>
-          </a:p>
-        </p:txBody>
-      </p:sp>
-      <p:sp>
-        <p:nvSpPr>
-          <p:cNvPr id="5" name="Text Placeholder 4">
-            <a:extLst>
-              <a:ext uri="{FF2B5EF4-FFF2-40B4-BE49-F238E27FC236}">
-                <a16:creationId xmlns:a16="http://schemas.microsoft.com/office/drawing/2014/main" id="{C0BBD850-4BDD-BEAF-2403-87B8CDF66C6B}"/>
-              </a:ext>
-            </a:extLst>
-          </p:cNvPr>
+            <a:endParaRPr lang="en-US" dirty="0"/>
+          </a:p>
+        </p:txBody>
+      </p:sp>
+      <p:sp>
+        <p:nvSpPr>
+          <p:cNvPr id="5" name="Text Placeholder 4"/>
           <p:cNvSpPr>
             <a:spLocks noGrp="1"/>
           </p:cNvSpPr>
@@ -3943,13 +3753,7 @@
       </p:sp>
       <p:sp>
         <p:nvSpPr>
-          <p:cNvPr id="6" name="Content Placeholder 5">
-            <a:extLst>
-              <a:ext uri="{FF2B5EF4-FFF2-40B4-BE49-F238E27FC236}">
-                <a16:creationId xmlns:a16="http://schemas.microsoft.com/office/drawing/2014/main" id="{0EF2DD98-BB00-63E3-D9F7-95A1F2AC603A}"/>
-              </a:ext>
-            </a:extLst>
-          </p:cNvPr>
+          <p:cNvPr id="6" name="Content Placeholder 5"/>
           <p:cNvSpPr>
             <a:spLocks noGrp="1"/>
           </p:cNvSpPr>
@@ -4000,18 +3804,13 @@
               <a:rPr lang="en-US"/>
               <a:t>Fifth level</a:t>
             </a:r>
-          </a:p>
-        </p:txBody>
-      </p:sp>
-      <p:sp>
-        <p:nvSpPr>
-          <p:cNvPr id="7" name="Date Placeholder 6">
-            <a:extLst>
-              <a:ext uri="{FF2B5EF4-FFF2-40B4-BE49-F238E27FC236}">
-                <a16:creationId xmlns:a16="http://schemas.microsoft.com/office/drawing/2014/main" id="{AAE6E212-40E6-A2C8-1E39-676BB741204F}"/>
-              </a:ext>
-            </a:extLst>
-          </p:cNvPr>
+            <a:endParaRPr lang="en-US" dirty="0"/>
+          </a:p>
+        </p:txBody>
+      </p:sp>
+      <p:sp>
+        <p:nvSpPr>
+          <p:cNvPr id="7" name="Date Placeholder 6"/>
           <p:cNvSpPr>
             <a:spLocks noGrp="1"/>
           </p:cNvSpPr>
@@ -4034,13 +3833,7 @@
       </p:sp>
       <p:sp>
         <p:nvSpPr>
-          <p:cNvPr id="8" name="Footer Placeholder 7">
-            <a:extLst>
-              <a:ext uri="{FF2B5EF4-FFF2-40B4-BE49-F238E27FC236}">
-                <a16:creationId xmlns:a16="http://schemas.microsoft.com/office/drawing/2014/main" id="{6E976342-74B8-48D2-F719-4362C0802E0D}"/>
-              </a:ext>
-            </a:extLst>
-          </p:cNvPr>
+          <p:cNvPr id="8" name="Footer Placeholder 7"/>
           <p:cNvSpPr>
             <a:spLocks noGrp="1"/>
           </p:cNvSpPr>
@@ -4054,21 +3847,16 @@
           <a:lstStyle/>
           <a:p>
             <a:r>
-              <a:rPr lang="en-US" dirty="0"/>
+              <a:rPr lang="en-US"/>
               <a:t>https://github.com/DrewNull/optimizely-cms12-upgrade</a:t>
             </a:r>
-          </a:p>
-        </p:txBody>
-      </p:sp>
-      <p:sp>
-        <p:nvSpPr>
-          <p:cNvPr id="9" name="Slide Number Placeholder 8">
-            <a:extLst>
-              <a:ext uri="{FF2B5EF4-FFF2-40B4-BE49-F238E27FC236}">
-                <a16:creationId xmlns:a16="http://schemas.microsoft.com/office/drawing/2014/main" id="{B44909DC-2D57-40B1-9696-0DF14A8B7106}"/>
-              </a:ext>
-            </a:extLst>
-          </p:cNvPr>
+            <a:endParaRPr lang="en-US" dirty="0"/>
+          </a:p>
+        </p:txBody>
+      </p:sp>
+      <p:sp>
+        <p:nvSpPr>
+          <p:cNvPr id="9" name="Slide Number Placeholder 8"/>
           <p:cNvSpPr>
             <a:spLocks noGrp="1"/>
           </p:cNvSpPr>
@@ -4092,7 +3880,7 @@
     </p:spTree>
     <p:extLst>
       <p:ext uri="{BB962C8B-B14F-4D97-AF65-F5344CB8AC3E}">
-        <p14:creationId xmlns:p14="http://schemas.microsoft.com/office/powerpoint/2010/main" val="1373759443"/>
+        <p14:creationId xmlns:p14="http://schemas.microsoft.com/office/powerpoint/2010/main" val="2197305426"/>
       </p:ext>
     </p:extLst>
   </p:cSld>
@@ -4121,13 +3909,7 @@
       </p:grpSpPr>
       <p:sp>
         <p:nvSpPr>
-          <p:cNvPr id="2" name="Title 1">
-            <a:extLst>
-              <a:ext uri="{FF2B5EF4-FFF2-40B4-BE49-F238E27FC236}">
-                <a16:creationId xmlns:a16="http://schemas.microsoft.com/office/drawing/2014/main" id="{F162A14A-2A4E-4861-1E62-5B463581A597}"/>
-              </a:ext>
-            </a:extLst>
-          </p:cNvPr>
+          <p:cNvPr id="2" name="Title 1"/>
           <p:cNvSpPr>
             <a:spLocks noGrp="1"/>
           </p:cNvSpPr>
@@ -4144,18 +3926,13 @@
               <a:rPr lang="en-US"/>
               <a:t>Click to edit Master title style</a:t>
             </a:r>
-          </a:p>
-        </p:txBody>
-      </p:sp>
-      <p:sp>
-        <p:nvSpPr>
-          <p:cNvPr id="3" name="Date Placeholder 2">
-            <a:extLst>
-              <a:ext uri="{FF2B5EF4-FFF2-40B4-BE49-F238E27FC236}">
-                <a16:creationId xmlns:a16="http://schemas.microsoft.com/office/drawing/2014/main" id="{C3CE9A28-EC6D-881D-43C7-E2B0039B09C8}"/>
-              </a:ext>
-            </a:extLst>
-          </p:cNvPr>
+            <a:endParaRPr lang="en-US" dirty="0"/>
+          </a:p>
+        </p:txBody>
+      </p:sp>
+      <p:sp>
+        <p:nvSpPr>
+          <p:cNvPr id="3" name="Date Placeholder 2"/>
           <p:cNvSpPr>
             <a:spLocks noGrp="1"/>
           </p:cNvSpPr>
@@ -4178,13 +3955,7 @@
       </p:sp>
       <p:sp>
         <p:nvSpPr>
-          <p:cNvPr id="4" name="Footer Placeholder 3">
-            <a:extLst>
-              <a:ext uri="{FF2B5EF4-FFF2-40B4-BE49-F238E27FC236}">
-                <a16:creationId xmlns:a16="http://schemas.microsoft.com/office/drawing/2014/main" id="{6EFD9346-30CA-9437-52F5-19DF7EC7B7B3}"/>
-              </a:ext>
-            </a:extLst>
-          </p:cNvPr>
+          <p:cNvPr id="4" name="Footer Placeholder 3"/>
           <p:cNvSpPr>
             <a:spLocks noGrp="1"/>
           </p:cNvSpPr>
@@ -4198,21 +3969,16 @@
           <a:lstStyle/>
           <a:p>
             <a:r>
-              <a:rPr lang="en-US" dirty="0"/>
+              <a:rPr lang="en-US"/>
               <a:t>https://github.com/DrewNull/optimizely-cms12-upgrade</a:t>
             </a:r>
-          </a:p>
-        </p:txBody>
-      </p:sp>
-      <p:sp>
-        <p:nvSpPr>
-          <p:cNvPr id="5" name="Slide Number Placeholder 4">
-            <a:extLst>
-              <a:ext uri="{FF2B5EF4-FFF2-40B4-BE49-F238E27FC236}">
-                <a16:creationId xmlns:a16="http://schemas.microsoft.com/office/drawing/2014/main" id="{50AC7D7D-E695-67F2-A373-3C1F7630BE02}"/>
-              </a:ext>
-            </a:extLst>
-          </p:cNvPr>
+            <a:endParaRPr lang="en-US" dirty="0"/>
+          </a:p>
+        </p:txBody>
+      </p:sp>
+      <p:sp>
+        <p:nvSpPr>
+          <p:cNvPr id="5" name="Slide Number Placeholder 4"/>
           <p:cNvSpPr>
             <a:spLocks noGrp="1"/>
           </p:cNvSpPr>
@@ -4236,7 +4002,7 @@
     </p:spTree>
     <p:extLst>
       <p:ext uri="{BB962C8B-B14F-4D97-AF65-F5344CB8AC3E}">
-        <p14:creationId xmlns:p14="http://schemas.microsoft.com/office/powerpoint/2010/main" val="106428598"/>
+        <p14:creationId xmlns:p14="http://schemas.microsoft.com/office/powerpoint/2010/main" val="2582056691"/>
       </p:ext>
     </p:extLst>
   </p:cSld>
@@ -4265,13 +4031,7 @@
       </p:grpSpPr>
       <p:sp>
         <p:nvSpPr>
-          <p:cNvPr id="2" name="Date Placeholder 1">
-            <a:extLst>
-              <a:ext uri="{FF2B5EF4-FFF2-40B4-BE49-F238E27FC236}">
-                <a16:creationId xmlns:a16="http://schemas.microsoft.com/office/drawing/2014/main" id="{EC2AC9D6-3629-3155-00E5-E6E54071C79C}"/>
-              </a:ext>
-            </a:extLst>
-          </p:cNvPr>
+          <p:cNvPr id="2" name="Date Placeholder 1"/>
           <p:cNvSpPr>
             <a:spLocks noGrp="1"/>
           </p:cNvSpPr>
@@ -4294,13 +4054,7 @@
       </p:sp>
       <p:sp>
         <p:nvSpPr>
-          <p:cNvPr id="3" name="Footer Placeholder 2">
-            <a:extLst>
-              <a:ext uri="{FF2B5EF4-FFF2-40B4-BE49-F238E27FC236}">
-                <a16:creationId xmlns:a16="http://schemas.microsoft.com/office/drawing/2014/main" id="{2DE20EF8-BB5E-4C83-E423-9A6AF78A43F7}"/>
-              </a:ext>
-            </a:extLst>
-          </p:cNvPr>
+          <p:cNvPr id="3" name="Footer Placeholder 2"/>
           <p:cNvSpPr>
             <a:spLocks noGrp="1"/>
           </p:cNvSpPr>
@@ -4314,21 +4068,16 @@
           <a:lstStyle/>
           <a:p>
             <a:r>
-              <a:rPr lang="en-US" dirty="0"/>
+              <a:rPr lang="en-US"/>
               <a:t>https://github.com/DrewNull/optimizely-cms12-upgrade</a:t>
             </a:r>
-          </a:p>
-        </p:txBody>
-      </p:sp>
-      <p:sp>
-        <p:nvSpPr>
-          <p:cNvPr id="4" name="Slide Number Placeholder 3">
-            <a:extLst>
-              <a:ext uri="{FF2B5EF4-FFF2-40B4-BE49-F238E27FC236}">
-                <a16:creationId xmlns:a16="http://schemas.microsoft.com/office/drawing/2014/main" id="{C2EC5FF2-07F8-822B-602B-00F02063FF27}"/>
-              </a:ext>
-            </a:extLst>
-          </p:cNvPr>
+            <a:endParaRPr lang="en-US" dirty="0"/>
+          </a:p>
+        </p:txBody>
+      </p:sp>
+      <p:sp>
+        <p:nvSpPr>
+          <p:cNvPr id="4" name="Slide Number Placeholder 3"/>
           <p:cNvSpPr>
             <a:spLocks noGrp="1"/>
           </p:cNvSpPr>
@@ -4352,7 +4101,7 @@
     </p:spTree>
     <p:extLst>
       <p:ext uri="{BB962C8B-B14F-4D97-AF65-F5344CB8AC3E}">
-        <p14:creationId xmlns:p14="http://schemas.microsoft.com/office/powerpoint/2010/main" val="3274586809"/>
+        <p14:creationId xmlns:p14="http://schemas.microsoft.com/office/powerpoint/2010/main" val="2717950342"/>
       </p:ext>
     </p:extLst>
   </p:cSld>
@@ -4381,13 +4130,7 @@
       </p:grpSpPr>
       <p:sp>
         <p:nvSpPr>
-          <p:cNvPr id="2" name="Title 1">
-            <a:extLst>
-              <a:ext uri="{FF2B5EF4-FFF2-40B4-BE49-F238E27FC236}">
-                <a16:creationId xmlns:a16="http://schemas.microsoft.com/office/drawing/2014/main" id="{B5BEE863-2595-8FCC-3034-9CCBD3FF439B}"/>
-              </a:ext>
-            </a:extLst>
-          </p:cNvPr>
+          <p:cNvPr id="2" name="Title 1"/>
           <p:cNvSpPr>
             <a:spLocks noGrp="1"/>
           </p:cNvSpPr>
@@ -4413,18 +4156,13 @@
               <a:rPr lang="en-US"/>
               <a:t>Click to edit Master title style</a:t>
             </a:r>
-          </a:p>
-        </p:txBody>
-      </p:sp>
-      <p:sp>
-        <p:nvSpPr>
-          <p:cNvPr id="3" name="Content Placeholder 2">
-            <a:extLst>
-              <a:ext uri="{FF2B5EF4-FFF2-40B4-BE49-F238E27FC236}">
-                <a16:creationId xmlns:a16="http://schemas.microsoft.com/office/drawing/2014/main" id="{4622A882-9643-F226-BF2B-37C00666A443}"/>
-              </a:ext>
-            </a:extLst>
-          </p:cNvPr>
+            <a:endParaRPr lang="en-US" dirty="0"/>
+          </a:p>
+        </p:txBody>
+      </p:sp>
+      <p:sp>
+        <p:nvSpPr>
+          <p:cNvPr id="3" name="Content Placeholder 2"/>
           <p:cNvSpPr>
             <a:spLocks noGrp="1"/>
           </p:cNvSpPr>
@@ -4503,18 +4241,13 @@
               <a:rPr lang="en-US"/>
               <a:t>Fifth level</a:t>
             </a:r>
-          </a:p>
-        </p:txBody>
-      </p:sp>
-      <p:sp>
-        <p:nvSpPr>
-          <p:cNvPr id="4" name="Text Placeholder 3">
-            <a:extLst>
-              <a:ext uri="{FF2B5EF4-FFF2-40B4-BE49-F238E27FC236}">
-                <a16:creationId xmlns:a16="http://schemas.microsoft.com/office/drawing/2014/main" id="{AEFAFD02-D3BE-5FDC-A86C-E8E3A2FF7337}"/>
-              </a:ext>
-            </a:extLst>
-          </p:cNvPr>
+            <a:endParaRPr lang="en-US" dirty="0"/>
+          </a:p>
+        </p:txBody>
+      </p:sp>
+      <p:sp>
+        <p:nvSpPr>
+          <p:cNvPr id="4" name="Text Placeholder 3"/>
           <p:cNvSpPr>
             <a:spLocks noGrp="1"/>
           </p:cNvSpPr>
@@ -4579,13 +4312,7 @@
       </p:sp>
       <p:sp>
         <p:nvSpPr>
-          <p:cNvPr id="5" name="Date Placeholder 4">
-            <a:extLst>
-              <a:ext uri="{FF2B5EF4-FFF2-40B4-BE49-F238E27FC236}">
-                <a16:creationId xmlns:a16="http://schemas.microsoft.com/office/drawing/2014/main" id="{987C4771-1C1B-1937-4ECB-957BB86A0AE9}"/>
-              </a:ext>
-            </a:extLst>
-          </p:cNvPr>
+          <p:cNvPr id="5" name="Date Placeholder 4"/>
           <p:cNvSpPr>
             <a:spLocks noGrp="1"/>
           </p:cNvSpPr>
@@ -4608,13 +4335,7 @@
       </p:sp>
       <p:sp>
         <p:nvSpPr>
-          <p:cNvPr id="6" name="Footer Placeholder 5">
-            <a:extLst>
-              <a:ext uri="{FF2B5EF4-FFF2-40B4-BE49-F238E27FC236}">
-                <a16:creationId xmlns:a16="http://schemas.microsoft.com/office/drawing/2014/main" id="{62002927-3F5E-0C50-80F4-337407C15344}"/>
-              </a:ext>
-            </a:extLst>
-          </p:cNvPr>
+          <p:cNvPr id="6" name="Footer Placeholder 5"/>
           <p:cNvSpPr>
             <a:spLocks noGrp="1"/>
           </p:cNvSpPr>
@@ -4628,21 +4349,16 @@
           <a:lstStyle/>
           <a:p>
             <a:r>
-              <a:rPr lang="en-US" dirty="0"/>
+              <a:rPr lang="en-US"/>
               <a:t>https://github.com/DrewNull/optimizely-cms12-upgrade</a:t>
             </a:r>
-          </a:p>
-        </p:txBody>
-      </p:sp>
-      <p:sp>
-        <p:nvSpPr>
-          <p:cNvPr id="7" name="Slide Number Placeholder 6">
-            <a:extLst>
-              <a:ext uri="{FF2B5EF4-FFF2-40B4-BE49-F238E27FC236}">
-                <a16:creationId xmlns:a16="http://schemas.microsoft.com/office/drawing/2014/main" id="{965485FD-0732-D7EB-AFDB-217D8E1DF73F}"/>
-              </a:ext>
-            </a:extLst>
-          </p:cNvPr>
+            <a:endParaRPr lang="en-US" dirty="0"/>
+          </a:p>
+        </p:txBody>
+      </p:sp>
+      <p:sp>
+        <p:nvSpPr>
+          <p:cNvPr id="7" name="Slide Number Placeholder 6"/>
           <p:cNvSpPr>
             <a:spLocks noGrp="1"/>
           </p:cNvSpPr>
@@ -4666,7 +4382,7 @@
     </p:spTree>
     <p:extLst>
       <p:ext uri="{BB962C8B-B14F-4D97-AF65-F5344CB8AC3E}">
-        <p14:creationId xmlns:p14="http://schemas.microsoft.com/office/powerpoint/2010/main" val="1135834250"/>
+        <p14:creationId xmlns:p14="http://schemas.microsoft.com/office/powerpoint/2010/main" val="4146659625"/>
       </p:ext>
     </p:extLst>
   </p:cSld>
@@ -4695,13 +4411,7 @@
       </p:grpSpPr>
       <p:sp>
         <p:nvSpPr>
-          <p:cNvPr id="2" name="Title 1">
-            <a:extLst>
-              <a:ext uri="{FF2B5EF4-FFF2-40B4-BE49-F238E27FC236}">
-                <a16:creationId xmlns:a16="http://schemas.microsoft.com/office/drawing/2014/main" id="{36CFD1C1-3C01-89B9-05D8-88A3AEF8DB3B}"/>
-              </a:ext>
-            </a:extLst>
-          </p:cNvPr>
+          <p:cNvPr id="2" name="Title 1"/>
           <p:cNvSpPr>
             <a:spLocks noGrp="1"/>
           </p:cNvSpPr>
@@ -4727,20 +4437,15 @@
               <a:rPr lang="en-US"/>
               <a:t>Click to edit Master title style</a:t>
             </a:r>
-          </a:p>
-        </p:txBody>
-      </p:sp>
-      <p:sp>
-        <p:nvSpPr>
-          <p:cNvPr id="3" name="Picture Placeholder 2">
-            <a:extLst>
-              <a:ext uri="{FF2B5EF4-FFF2-40B4-BE49-F238E27FC236}">
-                <a16:creationId xmlns:a16="http://schemas.microsoft.com/office/drawing/2014/main" id="{4F4F0322-730D-32E4-28E2-8484D5B35378}"/>
-              </a:ext>
-            </a:extLst>
-          </p:cNvPr>
-          <p:cNvSpPr>
-            <a:spLocks noGrp="1"/>
+            <a:endParaRPr lang="en-US" dirty="0"/>
+          </a:p>
+        </p:txBody>
+      </p:sp>
+      <p:sp>
+        <p:nvSpPr>
+          <p:cNvPr id="3" name="Picture Placeholder 2"/>
+          <p:cNvSpPr>
+            <a:spLocks noGrp="1" noChangeAspect="1"/>
           </p:cNvSpPr>
           <p:nvPr>
             <p:ph type="pic" idx="1"/>
@@ -4753,7 +4458,7 @@
           </a:xfrm>
         </p:spPr>
         <p:txBody>
-          <a:bodyPr/>
+          <a:bodyPr anchor="t"/>
           <a:lstStyle>
             <a:lvl1pPr marL="0" indent="0">
               <a:buNone/>
@@ -4793,19 +4498,17 @@
             </a:lvl9pPr>
           </a:lstStyle>
           <a:p>
-            <a:endParaRPr lang="en-US"/>
-          </a:p>
-        </p:txBody>
-      </p:sp>
-      <p:sp>
-        <p:nvSpPr>
-          <p:cNvPr id="4" name="Text Placeholder 3">
-            <a:extLst>
-              <a:ext uri="{FF2B5EF4-FFF2-40B4-BE49-F238E27FC236}">
-                <a16:creationId xmlns:a16="http://schemas.microsoft.com/office/drawing/2014/main" id="{DCDC77D7-5B60-1192-10A3-7447502CDBE1}"/>
-              </a:ext>
-            </a:extLst>
-          </p:cNvPr>
+            <a:r>
+              <a:rPr lang="en-US"/>
+              <a:t>Click icon to add picture</a:t>
+            </a:r>
+            <a:endParaRPr lang="en-US" dirty="0"/>
+          </a:p>
+        </p:txBody>
+      </p:sp>
+      <p:sp>
+        <p:nvSpPr>
+          <p:cNvPr id="4" name="Text Placeholder 3"/>
           <p:cNvSpPr>
             <a:spLocks noGrp="1"/>
           </p:cNvSpPr>
@@ -4870,13 +4573,7 @@
       </p:sp>
       <p:sp>
         <p:nvSpPr>
-          <p:cNvPr id="5" name="Date Placeholder 4">
-            <a:extLst>
-              <a:ext uri="{FF2B5EF4-FFF2-40B4-BE49-F238E27FC236}">
-                <a16:creationId xmlns:a16="http://schemas.microsoft.com/office/drawing/2014/main" id="{8294F15C-E0E9-FDAB-C316-970A04398823}"/>
-              </a:ext>
-            </a:extLst>
-          </p:cNvPr>
+          <p:cNvPr id="5" name="Date Placeholder 4"/>
           <p:cNvSpPr>
             <a:spLocks noGrp="1"/>
           </p:cNvSpPr>
@@ -4899,13 +4596,7 @@
       </p:sp>
       <p:sp>
         <p:nvSpPr>
-          <p:cNvPr id="6" name="Footer Placeholder 5">
-            <a:extLst>
-              <a:ext uri="{FF2B5EF4-FFF2-40B4-BE49-F238E27FC236}">
-                <a16:creationId xmlns:a16="http://schemas.microsoft.com/office/drawing/2014/main" id="{CDBC59D3-8E6F-D5BC-0D46-AC9573A1D5B0}"/>
-              </a:ext>
-            </a:extLst>
-          </p:cNvPr>
+          <p:cNvPr id="6" name="Footer Placeholder 5"/>
           <p:cNvSpPr>
             <a:spLocks noGrp="1"/>
           </p:cNvSpPr>
@@ -4919,21 +4610,16 @@
           <a:lstStyle/>
           <a:p>
             <a:r>
-              <a:rPr lang="en-US" dirty="0"/>
+              <a:rPr lang="en-US"/>
               <a:t>https://github.com/DrewNull/optimizely-cms12-upgrade</a:t>
             </a:r>
-          </a:p>
-        </p:txBody>
-      </p:sp>
-      <p:sp>
-        <p:nvSpPr>
-          <p:cNvPr id="7" name="Slide Number Placeholder 6">
-            <a:extLst>
-              <a:ext uri="{FF2B5EF4-FFF2-40B4-BE49-F238E27FC236}">
-                <a16:creationId xmlns:a16="http://schemas.microsoft.com/office/drawing/2014/main" id="{A0625678-91F0-57D8-372B-A179E8B76137}"/>
-              </a:ext>
-            </a:extLst>
-          </p:cNvPr>
+            <a:endParaRPr lang="en-US" dirty="0"/>
+          </a:p>
+        </p:txBody>
+      </p:sp>
+      <p:sp>
+        <p:nvSpPr>
+          <p:cNvPr id="7" name="Slide Number Placeholder 6"/>
           <p:cNvSpPr>
             <a:spLocks noGrp="1"/>
           </p:cNvSpPr>
@@ -4957,7 +4643,7 @@
     </p:spTree>
     <p:extLst>
       <p:ext uri="{BB962C8B-B14F-4D97-AF65-F5344CB8AC3E}">
-        <p14:creationId xmlns:p14="http://schemas.microsoft.com/office/powerpoint/2010/main" val="58819105"/>
+        <p14:creationId xmlns:p14="http://schemas.microsoft.com/office/powerpoint/2010/main" val="2066073028"/>
       </p:ext>
     </p:extLst>
   </p:cSld>
@@ -4991,13 +4677,7 @@
       </p:grpSpPr>
       <p:sp>
         <p:nvSpPr>
-          <p:cNvPr id="2" name="Title Placeholder 1">
-            <a:extLst>
-              <a:ext uri="{FF2B5EF4-FFF2-40B4-BE49-F238E27FC236}">
-                <a16:creationId xmlns:a16="http://schemas.microsoft.com/office/drawing/2014/main" id="{C1DC1567-3A41-2A85-494B-822E2D454808}"/>
-              </a:ext>
-            </a:extLst>
-          </p:cNvPr>
+          <p:cNvPr id="2" name="Title Placeholder 1"/>
           <p:cNvSpPr>
             <a:spLocks noGrp="1"/>
           </p:cNvSpPr>
@@ -5024,18 +4704,13 @@
               <a:rPr lang="en-US"/>
               <a:t>Click to edit Master title style</a:t>
             </a:r>
-          </a:p>
-        </p:txBody>
-      </p:sp>
-      <p:sp>
-        <p:nvSpPr>
-          <p:cNvPr id="3" name="Text Placeholder 2">
-            <a:extLst>
-              <a:ext uri="{FF2B5EF4-FFF2-40B4-BE49-F238E27FC236}">
-                <a16:creationId xmlns:a16="http://schemas.microsoft.com/office/drawing/2014/main" id="{A5A339C0-B718-8467-F913-9C92CB78433C}"/>
-              </a:ext>
-            </a:extLst>
-          </p:cNvPr>
+            <a:endParaRPr lang="en-US" dirty="0"/>
+          </a:p>
+        </p:txBody>
+      </p:sp>
+      <p:sp>
+        <p:nvSpPr>
+          <p:cNvPr id="3" name="Text Placeholder 2"/>
           <p:cNvSpPr>
             <a:spLocks noGrp="1"/>
           </p:cNvSpPr>
@@ -5091,18 +4766,13 @@
               <a:rPr lang="en-US"/>
               <a:t>Fifth level</a:t>
             </a:r>
-          </a:p>
-        </p:txBody>
-      </p:sp>
-      <p:sp>
-        <p:nvSpPr>
-          <p:cNvPr id="4" name="Date Placeholder 3">
-            <a:extLst>
-              <a:ext uri="{FF2B5EF4-FFF2-40B4-BE49-F238E27FC236}">
-                <a16:creationId xmlns:a16="http://schemas.microsoft.com/office/drawing/2014/main" id="{0EA0CFD2-CC85-1837-F3F9-4B4244803A61}"/>
-              </a:ext>
-            </a:extLst>
-          </p:cNvPr>
+            <a:endParaRPr lang="en-US" dirty="0"/>
+          </a:p>
+        </p:txBody>
+      </p:sp>
+      <p:sp>
+        <p:nvSpPr>
+          <p:cNvPr id="4" name="Date Placeholder 3"/>
           <p:cNvSpPr>
             <a:spLocks noGrp="1"/>
           </p:cNvSpPr>
@@ -5143,13 +4813,7 @@
       </p:sp>
       <p:sp>
         <p:nvSpPr>
-          <p:cNvPr id="5" name="Footer Placeholder 4">
-            <a:extLst>
-              <a:ext uri="{FF2B5EF4-FFF2-40B4-BE49-F238E27FC236}">
-                <a16:creationId xmlns:a16="http://schemas.microsoft.com/office/drawing/2014/main" id="{8FD29A30-7DD4-21EA-E9B0-6C19EA263369}"/>
-              </a:ext>
-            </a:extLst>
-          </p:cNvPr>
+          <p:cNvPr id="5" name="Footer Placeholder 4"/>
           <p:cNvSpPr>
             <a:spLocks noGrp="1"/>
           </p:cNvSpPr>
@@ -5186,13 +4850,7 @@
       </p:sp>
       <p:sp>
         <p:nvSpPr>
-          <p:cNvPr id="6" name="Slide Number Placeholder 5">
-            <a:extLst>
-              <a:ext uri="{FF2B5EF4-FFF2-40B4-BE49-F238E27FC236}">
-                <a16:creationId xmlns:a16="http://schemas.microsoft.com/office/drawing/2014/main" id="{1781E171-16C8-1E5E-A06B-67CB5921D115}"/>
-              </a:ext>
-            </a:extLst>
-          </p:cNvPr>
+          <p:cNvPr id="6" name="Slide Number Placeholder 5"/>
           <p:cNvSpPr>
             <a:spLocks noGrp="1"/>
           </p:cNvSpPr>
@@ -5234,23 +4892,23 @@
     </p:spTree>
     <p:extLst>
       <p:ext uri="{BB962C8B-B14F-4D97-AF65-F5344CB8AC3E}">
-        <p14:creationId xmlns:p14="http://schemas.microsoft.com/office/powerpoint/2010/main" val="781396689"/>
+        <p14:creationId xmlns:p14="http://schemas.microsoft.com/office/powerpoint/2010/main" val="3586321482"/>
       </p:ext>
     </p:extLst>
   </p:cSld>
-  <p:clrMap bg1="lt1" tx1="dk1" bg2="lt2" tx2="dk2" accent1="accent1" accent2="accent2" accent3="accent3" accent4="accent4" accent5="accent5" accent6="accent6" hlink="hlink" folHlink="folHlink"/>
+  <p:clrMap bg1="dk1" tx1="lt1" bg2="dk2" tx2="lt2" accent1="accent1" accent2="accent2" accent3="accent3" accent4="accent4" accent5="accent5" accent6="accent6" hlink="hlink" folHlink="folHlink"/>
   <p:sldLayoutIdLst>
-    <p:sldLayoutId id="2147483649" r:id="rId1"/>
-    <p:sldLayoutId id="2147483650" r:id="rId2"/>
-    <p:sldLayoutId id="2147483651" r:id="rId3"/>
-    <p:sldLayoutId id="2147483652" r:id="rId4"/>
-    <p:sldLayoutId id="2147483653" r:id="rId5"/>
-    <p:sldLayoutId id="2147483654" r:id="rId6"/>
-    <p:sldLayoutId id="2147483655" r:id="rId7"/>
-    <p:sldLayoutId id="2147483656" r:id="rId8"/>
-    <p:sldLayoutId id="2147483657" r:id="rId9"/>
-    <p:sldLayoutId id="2147483658" r:id="rId10"/>
-    <p:sldLayoutId id="2147483659" r:id="rId11"/>
+    <p:sldLayoutId id="2147483714" r:id="rId1"/>
+    <p:sldLayoutId id="2147483715" r:id="rId2"/>
+    <p:sldLayoutId id="2147483716" r:id="rId3"/>
+    <p:sldLayoutId id="2147483717" r:id="rId4"/>
+    <p:sldLayoutId id="2147483718" r:id="rId5"/>
+    <p:sldLayoutId id="2147483719" r:id="rId6"/>
+    <p:sldLayoutId id="2147483720" r:id="rId7"/>
+    <p:sldLayoutId id="2147483721" r:id="rId8"/>
+    <p:sldLayoutId id="2147483722" r:id="rId9"/>
+    <p:sldLayoutId id="2147483723" r:id="rId10"/>
+    <p:sldLayoutId id="2147483724" r:id="rId11"/>
   </p:sldLayoutIdLst>
   <p:txStyles>
     <p:titleStyle>
@@ -5649,6 +5307,14 @@
 <file path=ppt/slides/slide10.xml><?xml version="1.0" encoding="utf-8"?>
 <p:sld xmlns:a="http://schemas.openxmlformats.org/drawingml/2006/main" xmlns:r="http://schemas.openxmlformats.org/officeDocument/2006/relationships" xmlns:p="http://schemas.openxmlformats.org/presentationml/2006/main">
   <p:cSld>
+    <p:bg>
+      <p:bgPr>
+        <a:solidFill>
+          <a:schemeClr val="bg1"/>
+        </a:solidFill>
+        <a:effectLst/>
+      </p:bgPr>
+    </p:bg>
     <p:spTree>
       <p:nvGrpSpPr>
         <p:cNvPr id="1" name=""/>
@@ -5665,10 +5331,10 @@
       </p:grpSpPr>
       <p:pic>
         <p:nvPicPr>
-          <p:cNvPr id="3" name="Picture 2" descr="A drawing of a bird&#10;&#10;Description automatically generated with medium confidence">
+          <p:cNvPr id="4" name="Picture 3" descr="Diagram&#10;&#10;Description automatically generated">
             <a:extLst>
               <a:ext uri="{FF2B5EF4-FFF2-40B4-BE49-F238E27FC236}">
-                <a16:creationId xmlns:a16="http://schemas.microsoft.com/office/drawing/2014/main" id="{9475FAA4-864D-6D17-5008-8A20C1C4A5D8}"/>
+                <a16:creationId xmlns:a16="http://schemas.microsoft.com/office/drawing/2014/main" id="{5E9B4F24-4311-63AB-210C-3BD8A9C46372}"/>
               </a:ext>
             </a:extLst>
           </p:cNvPr>
@@ -5691,57 +5357,18 @@
         </p:blipFill>
         <p:spPr>
           <a:xfrm>
-            <a:off x="3810000" y="1568196"/>
-            <a:ext cx="4572000" cy="3721608"/>
+            <a:off x="1999432" y="1943993"/>
+            <a:ext cx="8193137" cy="2970013"/>
           </a:xfrm>
           <a:prstGeom prst="rect">
             <a:avLst/>
           </a:prstGeom>
         </p:spPr>
       </p:pic>
-      <p:sp>
-        <p:nvSpPr>
-          <p:cNvPr id="2" name="TextBox 1">
-            <a:extLst>
-              <a:ext uri="{FF2B5EF4-FFF2-40B4-BE49-F238E27FC236}">
-                <a16:creationId xmlns:a16="http://schemas.microsoft.com/office/drawing/2014/main" id="{4658A95B-D1CD-4226-E000-A4CFDB0636EF}"/>
-              </a:ext>
-            </a:extLst>
-          </p:cNvPr>
-          <p:cNvSpPr txBox="1"/>
-          <p:nvPr/>
-        </p:nvSpPr>
-        <p:spPr>
-          <a:xfrm>
-            <a:off x="7333130" y="4972423"/>
-            <a:ext cx="705223" cy="369332"/>
-          </a:xfrm>
-          <a:prstGeom prst="rect">
-            <a:avLst/>
-          </a:prstGeom>
-          <a:noFill/>
-        </p:spPr>
-        <p:txBody>
-          <a:bodyPr wrap="square" rtlCol="0">
-            <a:spAutoFit/>
-          </a:bodyPr>
-          <a:lstStyle/>
-          <a:p>
-            <a:r>
-              <a:rPr lang="en-US" dirty="0">
-                <a:solidFill>
-                  <a:srgbClr val="FF0000"/>
-                </a:solidFill>
-              </a:rPr>
-              <a:t>xx</a:t>
-            </a:r>
-          </a:p>
-        </p:txBody>
-      </p:sp>
     </p:spTree>
     <p:extLst>
       <p:ext uri="{BB962C8B-B14F-4D97-AF65-F5344CB8AC3E}">
-        <p14:creationId xmlns:p14="http://schemas.microsoft.com/office/powerpoint/2010/main" val="1620690576"/>
+        <p14:creationId xmlns:p14="http://schemas.microsoft.com/office/powerpoint/2010/main" val="2074164043"/>
       </p:ext>
     </p:extLst>
   </p:cSld>
@@ -5911,7 +5538,9 @@
         </p:nvSpPr>
         <p:spPr/>
         <p:txBody>
-          <a:bodyPr/>
+          <a:bodyPr>
+            <a:normAutofit fontScale="92500" lnSpcReduction="10000"/>
+          </a:bodyPr>
           <a:lstStyle/>
           <a:p>
             <a:r>
@@ -5934,21 +5563,42 @@
           <a:p>
             <a:r>
               <a:rPr lang="en-US" dirty="0"/>
-              <a:t>Note that some of Commerce Manager’s functionality hasn’t been ported over to the CMS (as of April 2022): </a:t>
+              <a:t>Note that some of Commerce Manager’s functionality hasn’t been ported over to the CMS yet and can only be done with APIs:</a:t>
             </a:r>
           </a:p>
           <a:p>
             <a:pPr lvl="1"/>
             <a:r>
               <a:rPr lang="en-US" dirty="0"/>
-              <a:t>Managing countries and states/provinces</a:t>
+              <a:t>Importing and exporting catalogs</a:t>
             </a:r>
           </a:p>
           <a:p>
             <a:pPr lvl="1"/>
             <a:r>
               <a:rPr lang="en-US" dirty="0"/>
-              <a:t>Managing currencies</a:t>
+              <a:t>Adding countries and regions</a:t>
+            </a:r>
+          </a:p>
+          <a:p>
+            <a:pPr lvl="1"/>
+            <a:r>
+              <a:rPr lang="en-US" dirty="0"/>
+              <a:t>Adding currencies</a:t>
+            </a:r>
+          </a:p>
+          <a:p>
+            <a:pPr lvl="1"/>
+            <a:r>
+              <a:rPr lang="en-US" dirty="0"/>
+              <a:t>Working with business objects</a:t>
+            </a:r>
+          </a:p>
+          <a:p>
+            <a:pPr lvl="1"/>
+            <a:r>
+              <a:rPr lang="en-US" dirty="0"/>
+              <a:t>Working with catalog and order meta classes and fields</a:t>
             </a:r>
           </a:p>
         </p:txBody>
@@ -6435,7 +6085,7 @@
         <p:spPr/>
         <p:txBody>
           <a:bodyPr>
-            <a:normAutofit/>
+            <a:normAutofit lnSpcReduction="10000"/>
           </a:bodyPr>
           <a:lstStyle/>
           <a:p>
@@ -6473,7 +6123,15 @@
             </a:pPr>
             <a:r>
               <a:rPr lang="en-US" sz="2000" dirty="0"/>
-              <a:t>*It does not, e.g., change your Index methods into </a:t>
+              <a:t>*It does not, e.g., change </a:t>
+            </a:r>
+            <a:r>
+              <a:rPr lang="en-US" sz="2000" dirty="0" err="1"/>
+              <a:t>PageController</a:t>
+            </a:r>
+            <a:r>
+              <a:rPr lang="en-US" sz="2000" dirty="0"/>
+              <a:t> Index methods into </a:t>
             </a:r>
             <a:r>
               <a:rPr lang="en-US" sz="2000" dirty="0" err="1"/>
@@ -6537,10 +6195,14 @@
             </a:r>
           </a:p>
           <a:p>
-            <a:endParaRPr lang="en-US" sz="2400" dirty="0"/>
-          </a:p>
-          <a:p>
-            <a:endParaRPr lang="en-US" sz="2400" dirty="0"/>
+            <a:pPr marL="514350" indent="-514350">
+              <a:buFont typeface="+mj-lt"/>
+              <a:buAutoNum type="arabicPeriod"/>
+            </a:pPr>
+            <a:r>
+              <a:rPr lang="en-US" sz="2400" dirty="0"/>
+              <a:t>Make your preferred configuration changes</a:t>
+            </a:r>
           </a:p>
         </p:txBody>
       </p:sp>
@@ -7418,66 +7080,6 @@
           <a:chExt cx="0" cy="0"/>
         </a:xfrm>
       </p:grpSpPr>
-      <p:sp useBgFill="1">
-        <p:nvSpPr>
-          <p:cNvPr id="75" name="Rectangle 23">
-            <a:extLst>
-              <a:ext uri="{FF2B5EF4-FFF2-40B4-BE49-F238E27FC236}">
-                <a16:creationId xmlns:a16="http://schemas.microsoft.com/office/drawing/2014/main" id="{7D9D36D6-2AC5-46A1-A849-4C82D5264A3A}"/>
-              </a:ext>
-              <a:ext uri="{C183D7F6-B498-43B3-948B-1728B52AA6E4}">
-                <adec:decorative xmlns:adec="http://schemas.microsoft.com/office/drawing/2017/decorative" val="1"/>
-              </a:ext>
-            </a:extLst>
-          </p:cNvPr>
-          <p:cNvSpPr>
-            <a:spLocks noGrp="1" noRot="1" noChangeAspect="1" noMove="1" noResize="1" noEditPoints="1" noAdjustHandles="1" noChangeArrowheads="1" noChangeShapeType="1" noTextEdit="1"/>
-          </p:cNvSpPr>
-          <p:nvPr>
-            <p:extLst>
-              <p:ext uri="{386F3935-93C4-4BCD-93E2-E3B085C9AB24}">
-                <p16:designElem xmlns:p16="http://schemas.microsoft.com/office/powerpoint/2015/main" val="1"/>
-              </p:ext>
-            </p:extLst>
-          </p:nvPr>
-        </p:nvSpPr>
-        <p:spPr>
-          <a:xfrm>
-            <a:off x="-1" y="0"/>
-            <a:ext cx="12188952" cy="6858000"/>
-          </a:xfrm>
-          <a:prstGeom prst="rect">
-            <a:avLst/>
-          </a:prstGeom>
-          <a:ln>
-            <a:noFill/>
-          </a:ln>
-        </p:spPr>
-        <p:style>
-          <a:lnRef idx="2">
-            <a:schemeClr val="accent1">
-              <a:shade val="50000"/>
-            </a:schemeClr>
-          </a:lnRef>
-          <a:fillRef idx="1">
-            <a:schemeClr val="accent1"/>
-          </a:fillRef>
-          <a:effectRef idx="0">
-            <a:schemeClr val="accent1"/>
-          </a:effectRef>
-          <a:fontRef idx="minor">
-            <a:schemeClr val="lt1"/>
-          </a:fontRef>
-        </p:style>
-        <p:txBody>
-          <a:bodyPr rtlCol="0" anchor="ctr"/>
-          <a:lstStyle/>
-          <a:p>
-            <a:pPr algn="ctr"/>
-            <a:endParaRPr lang="en-US" dirty="0"/>
-          </a:p>
-        </p:txBody>
-      </p:sp>
       <p:sp>
         <p:nvSpPr>
           <p:cNvPr id="2" name="Title 1">
@@ -8632,7 +8234,7 @@
             </a:br>
             <a:r>
               <a:rPr lang="en-US" sz="2000" dirty="0"/>
-              <a:t>with something else</a:t>
+              <a:t>with something else):</a:t>
             </a:r>
           </a:p>
           <a:p>
@@ -8857,7 +8459,7 @@
         </p:spPr>
         <p:txBody>
           <a:bodyPr>
-            <a:normAutofit/>
+            <a:normAutofit fontScale="92500" lnSpcReduction="10000"/>
           </a:bodyPr>
           <a:lstStyle/>
           <a:p>
@@ -8868,7 +8470,7 @@
               <a:rPr lang="en-US" sz="2000" dirty="0">
                 <a:latin typeface="Consolas" panose="020B0609020204030204" pitchFamily="49" charset="0"/>
               </a:rPr>
-              <a:t>NU1077: Version conflict detected for </a:t>
+              <a:t>NU1177: Version conflict detected for </a:t>
             </a:r>
             <a:r>
               <a:rPr lang="en-US" sz="2000" dirty="0" err="1">
@@ -8894,6 +8496,18 @@
               </a:rPr>
               <a:t> to resolve this issue.</a:t>
             </a:r>
+          </a:p>
+          <a:p>
+            <a:pPr marL="0" indent="0">
+              <a:buNone/>
+            </a:pPr>
+            <a:r>
+              <a:rPr lang="en-US" sz="2000" dirty="0">
+                <a:hlinkClick r:id="rId2"/>
+              </a:rPr>
+              <a:t>https://docs.microsoft.com/en-us/nuget/reference/errors-and-warnings/nu1107</a:t>
+            </a:r>
+            <a:endParaRPr lang="en-US" sz="2000" dirty="0"/>
           </a:p>
           <a:p>
             <a:pPr marL="0" indent="0">
@@ -9162,24 +8776,6 @@
               <a:t>.</a:t>
             </a:r>
           </a:p>
-          <a:p>
-            <a:pPr marL="0" indent="0">
-              <a:buNone/>
-            </a:pPr>
-            <a:endParaRPr lang="en-US" sz="2400" dirty="0"/>
-          </a:p>
-          <a:p>
-            <a:pPr marL="0" indent="0">
-              <a:buNone/>
-            </a:pPr>
-            <a:endParaRPr lang="en-US" sz="2400" dirty="0"/>
-          </a:p>
-          <a:p>
-            <a:pPr marL="0" indent="0">
-              <a:buNone/>
-            </a:pPr>
-            <a:endParaRPr lang="en-US" sz="2400" dirty="0"/>
-          </a:p>
         </p:txBody>
       </p:sp>
     </p:spTree>
@@ -9374,7 +8970,9 @@
         </p:nvSpPr>
         <p:spPr/>
         <p:txBody>
-          <a:bodyPr/>
+          <a:bodyPr>
+            <a:normAutofit/>
+          </a:bodyPr>
           <a:lstStyle/>
           <a:p>
             <a:r>
@@ -9388,7 +8986,7 @@
           <a:p>
             <a:r>
               <a:rPr lang="en-US" dirty="0"/>
-              <a:t>Common code issues that most projects will encounter</a:t>
+              <a:t>Code issues that are commonly encountered</a:t>
             </a:r>
           </a:p>
         </p:txBody>
@@ -9425,10 +9023,10 @@
       </p:grpSpPr>
       <p:sp>
         <p:nvSpPr>
-          <p:cNvPr id="4" name="Title 3">
+          <p:cNvPr id="2" name="Title 1">
             <a:extLst>
               <a:ext uri="{FF2B5EF4-FFF2-40B4-BE49-F238E27FC236}">
-                <a16:creationId xmlns:a16="http://schemas.microsoft.com/office/drawing/2014/main" id="{B5A5B942-0110-60D0-BDAB-CD3A563BCBFA}"/>
+                <a16:creationId xmlns:a16="http://schemas.microsoft.com/office/drawing/2014/main" id="{29E689F4-E62B-F90D-BFFF-45545AC5916E}"/>
               </a:ext>
             </a:extLst>
           </p:cNvPr>
@@ -9436,7 +9034,7 @@
             <a:spLocks noGrp="1"/>
           </p:cNvSpPr>
           <p:nvPr>
-            <p:ph type="ctrTitle"/>
+            <p:ph type="title"/>
           </p:nvPr>
         </p:nvSpPr>
         <p:spPr/>
@@ -9446,17 +9044,17 @@
           <a:p>
             <a:r>
               <a:rPr lang="en-US" dirty="0"/>
-              <a:t>Prerequisites</a:t>
-            </a:r>
-          </a:p>
-        </p:txBody>
-      </p:sp>
-      <p:sp>
-        <p:nvSpPr>
-          <p:cNvPr id="5" name="Subtitle 4">
+              <a:t>Why present on upgrading from CMS 11?</a:t>
+            </a:r>
+          </a:p>
+        </p:txBody>
+      </p:sp>
+      <p:sp>
+        <p:nvSpPr>
+          <p:cNvPr id="3" name="Content Placeholder 2">
             <a:extLst>
               <a:ext uri="{FF2B5EF4-FFF2-40B4-BE49-F238E27FC236}">
-                <a16:creationId xmlns:a16="http://schemas.microsoft.com/office/drawing/2014/main" id="{2059EC35-7FBA-2CFF-A976-F52BA328EB04}"/>
+                <a16:creationId xmlns:a16="http://schemas.microsoft.com/office/drawing/2014/main" id="{D3561123-C3B4-2A44-75DC-0FC657DE6592}"/>
               </a:ext>
             </a:extLst>
           </p:cNvPr>
@@ -9464,26 +9062,91 @@
             <a:spLocks noGrp="1"/>
           </p:cNvSpPr>
           <p:nvPr>
-            <p:ph type="subTitle" idx="1"/>
+            <p:ph idx="1"/>
           </p:nvPr>
         </p:nvSpPr>
         <p:spPr/>
         <p:txBody>
-          <a:bodyPr/>
+          <a:bodyPr>
+            <a:normAutofit fontScale="92500" lnSpcReduction="10000"/>
+          </a:bodyPr>
           <a:lstStyle/>
           <a:p>
+            <a:pPr marL="0" indent="0">
+              <a:buNone/>
+            </a:pPr>
             <a:r>
               <a:rPr lang="en-US" dirty="0"/>
-              <a:t>Phase 0</a:t>
-            </a:r>
-          </a:p>
-          <a:p>
+              <a:t>There are many great resources for learning CMS12 and Commerce14:</a:t>
+            </a:r>
+          </a:p>
+          <a:p>
+            <a:r>
+              <a:rPr lang="en-US" dirty="0"/>
+              <a:t>The official developer documentation has been updated:</a:t>
+            </a:r>
+            <a:br>
+              <a:rPr lang="en-US" dirty="0"/>
+            </a:br>
+            <a:r>
+              <a:rPr lang="en-US" dirty="0">
+                <a:hlinkClick r:id="rId2"/>
+              </a:rPr>
+              <a:t>https://world.optimizely.com</a:t>
+            </a:r>
             <a:endParaRPr lang="en-US" dirty="0"/>
           </a:p>
           <a:p>
             <a:r>
               <a:rPr lang="en-US" dirty="0"/>
-              <a:t>Stuff to do before you begin the upgrade</a:t>
+              <a:t>The official user guild has been updated:</a:t>
+            </a:r>
+            <a:br>
+              <a:rPr lang="en-US" dirty="0"/>
+            </a:br>
+            <a:r>
+              <a:rPr lang="en-US" dirty="0">
+                <a:hlinkClick r:id="rId3"/>
+              </a:rPr>
+              <a:t>https://webhelp.optimizely.com</a:t>
+            </a:r>
+            <a:endParaRPr lang="en-US" dirty="0"/>
+          </a:p>
+          <a:p>
+            <a:r>
+              <a:rPr lang="en-US" dirty="0"/>
+              <a:t>Mark Price and Scott Reed host a masterclass on .NET5:</a:t>
+            </a:r>
+            <a:br>
+              <a:rPr lang="en-US" dirty="0"/>
+            </a:br>
+            <a:r>
+              <a:rPr lang="en-US" dirty="0">
+                <a:hlinkClick r:id="rId4"/>
+              </a:rPr>
+              <a:t>https://www.optimizely.com/support/education/product/migrating-to-optimizely-cms-12-and-commerce-14</a:t>
+            </a:r>
+            <a:endParaRPr lang="en-US" dirty="0"/>
+          </a:p>
+          <a:p>
+            <a:endParaRPr lang="en-US" dirty="0"/>
+          </a:p>
+          <a:p>
+            <a:pPr marL="0" indent="0">
+              <a:buNone/>
+            </a:pPr>
+            <a:r>
+              <a:rPr lang="en-US" dirty="0"/>
+              <a:t>…and so on. </a:t>
+            </a:r>
+          </a:p>
+          <a:p>
+            <a:pPr marL="0" indent="0">
+              <a:buNone/>
+            </a:pPr>
+            <a:r>
+              <a:rPr lang="en-US" dirty="0"/>
+              <a:t>But there aren’t many resources for upgrading from CMS 11 / Commerce 13</a:t>
             </a:r>
           </a:p>
         </p:txBody>
@@ -9491,7 +9154,7 @@
     </p:spTree>
     <p:extLst>
       <p:ext uri="{BB962C8B-B14F-4D97-AF65-F5344CB8AC3E}">
-        <p14:creationId xmlns:p14="http://schemas.microsoft.com/office/powerpoint/2010/main" val="777088906"/>
+        <p14:creationId xmlns:p14="http://schemas.microsoft.com/office/powerpoint/2010/main" val="1007555109"/>
       </p:ext>
     </p:extLst>
   </p:cSld>
@@ -9579,7 +9242,15 @@
             </a:pPr>
             <a:r>
               <a:rPr lang="en-US" dirty="0"/>
-              <a:t>Upgrade-Assistant gives you the HttpContextHelper static helper class and replaces all instances of </a:t>
+              <a:t>Upgrade-Assistant gives you the </a:t>
+            </a:r>
+            <a:r>
+              <a:rPr lang="en-US" dirty="0" err="1"/>
+              <a:t>HttpContextHelper</a:t>
+            </a:r>
+            <a:r>
+              <a:rPr lang="en-US" dirty="0"/>
+              <a:t> static helper class and replaces all instances of </a:t>
             </a:r>
             <a:r>
               <a:rPr lang="en-US" dirty="0" err="1"/>
@@ -9596,7 +9267,7 @@
             </a:pPr>
             <a:r>
               <a:rPr lang="en-US" dirty="0"/>
-              <a:t>.NET Core introduces </a:t>
+              <a:t>.NET Core introduced </a:t>
             </a:r>
             <a:r>
               <a:rPr lang="en-US" dirty="0" err="1"/>
@@ -9710,7 +9381,19 @@
               <a:rPr lang="en-US" sz="1600" dirty="0">
                 <a:latin typeface="Consolas" panose="020B0609020204030204" pitchFamily="49" charset="0"/>
               </a:rPr>
-              <a:t> = _httpContextAccessor.HttpContext?.</a:t>
+              <a:t> = _httpContextAccessor.</a:t>
+            </a:r>
+            <a:r>
+              <a:rPr lang="en-US" sz="1600" dirty="0" err="1">
+                <a:latin typeface="Consolas" panose="020B0609020204030204" pitchFamily="49" charset="0"/>
+              </a:rPr>
+              <a:t>HttpContext</a:t>
+            </a:r>
+            <a:r>
+              <a:rPr lang="en-US" sz="1600" dirty="0">
+                <a:latin typeface="Consolas" panose="020B0609020204030204" pitchFamily="49" charset="0"/>
+              </a:rPr>
+              <a:t>?.</a:t>
             </a:r>
             <a:r>
               <a:rPr lang="en-US" sz="1600" dirty="0" err="1">
@@ -10334,7 +10017,23 @@
             </a:pPr>
             <a:r>
               <a:rPr lang="en-US" sz="2000" dirty="0"/>
-              <a:t>Managing the lifecycle of HttpClient in .NET Framework was always a pain. Putting it in a Using statement would lead to SNAT port exhaustion in DXP and bring your entire application to its knees. </a:t>
+              <a:t>Managing the lifecycle of HttpClient in .NET Framework was always a pain. Even though </a:t>
+            </a:r>
+            <a:r>
+              <a:rPr lang="en-US" sz="2000" dirty="0" err="1"/>
+              <a:t>HttpClient</a:t>
+            </a:r>
+            <a:r>
+              <a:rPr lang="en-US" sz="2000" dirty="0"/>
+              <a:t> implements </a:t>
+            </a:r>
+            <a:r>
+              <a:rPr lang="en-US" sz="2000" dirty="0" err="1"/>
+              <a:t>IDisposable</a:t>
+            </a:r>
+            <a:r>
+              <a:rPr lang="en-US" sz="2000" dirty="0"/>
+              <a:t>, putting it in a Using statement can lead to SNAT port exhaustion (i.e., when your web server runs out of outgoing connections) and bring your entire application to its knees. </a:t>
             </a:r>
           </a:p>
           <a:p>
@@ -10688,9 +10387,6 @@
             </a:r>
             <a:r>
               <a:rPr lang="en-US" sz="1800" dirty="0" err="1">
-                <a:highlight>
-                  <a:srgbClr val="FFFF00"/>
-                </a:highlight>
                 <a:latin typeface="Consolas" panose="020B0609020204030204" pitchFamily="49" charset="0"/>
               </a:rPr>
               <a:t>GetHttpClientForCustomApi</a:t>
@@ -10863,7 +10559,7 @@
             </a:pPr>
             <a:r>
               <a:rPr lang="en-US" sz="1800" dirty="0"/>
-              <a:t>This code doesn't attempt to manage the request handler's lifecycle, but illustrates the point.</a:t>
+              <a:t>(this code doesn't attempt to manage the request handler's lifecycle, but illustrates the point)</a:t>
             </a:r>
           </a:p>
         </p:txBody>
@@ -11194,9 +10890,6 @@
             </a:r>
             <a:r>
               <a:rPr lang="en-US" sz="1800" dirty="0" err="1">
-                <a:highlight>
-                  <a:srgbClr val="FFFF00"/>
-                </a:highlight>
                 <a:latin typeface="Consolas" panose="020B0609020204030204" pitchFamily="49" charset="0"/>
               </a:rPr>
               <a:t>GetHttpClientForCustomApi</a:t>
@@ -11810,7 +11503,7 @@
         <p:spPr/>
         <p:txBody>
           <a:bodyPr>
-            <a:normAutofit fontScale="55000" lnSpcReduction="20000"/>
+            <a:normAutofit fontScale="47500" lnSpcReduction="20000"/>
           </a:bodyPr>
           <a:lstStyle/>
           <a:p>
@@ -11831,7 +11524,7 @@
             </a:r>
             <a:r>
               <a:rPr lang="en-US" sz="3600" dirty="0"/>
-              <a:t> and no longer exists. If you can’t use attribute routing…</a:t>
+              <a:t> and no longer exists. Use attribute routing if you can. But if you can’t…</a:t>
             </a:r>
           </a:p>
           <a:p>
@@ -12431,10 +12124,10 @@
       </p:grpSpPr>
       <p:sp>
         <p:nvSpPr>
-          <p:cNvPr id="2" name="Title 1">
+          <p:cNvPr id="4" name="Title 3">
             <a:extLst>
               <a:ext uri="{FF2B5EF4-FFF2-40B4-BE49-F238E27FC236}">
-                <a16:creationId xmlns:a16="http://schemas.microsoft.com/office/drawing/2014/main" id="{E1C85CB6-C7AB-B3B1-4593-93D8C361BCB0}"/>
+                <a16:creationId xmlns:a16="http://schemas.microsoft.com/office/drawing/2014/main" id="{B5A5B942-0110-60D0-BDAB-CD3A563BCBFA}"/>
               </a:ext>
             </a:extLst>
           </p:cNvPr>
@@ -12442,7 +12135,7 @@
             <a:spLocks noGrp="1"/>
           </p:cNvSpPr>
           <p:nvPr>
-            <p:ph type="title"/>
+            <p:ph type="ctrTitle"/>
           </p:nvPr>
         </p:nvSpPr>
         <p:spPr/>
@@ -12452,17 +12145,17 @@
           <a:p>
             <a:r>
               <a:rPr lang="en-US" dirty="0"/>
-              <a:t>Read the official documentation</a:t>
-            </a:r>
-          </a:p>
-        </p:txBody>
-      </p:sp>
-      <p:sp>
-        <p:nvSpPr>
-          <p:cNvPr id="3" name="Content Placeholder 2">
+              <a:t>Prerequisites</a:t>
+            </a:r>
+          </a:p>
+        </p:txBody>
+      </p:sp>
+      <p:sp>
+        <p:nvSpPr>
+          <p:cNvPr id="5" name="Subtitle 4">
             <a:extLst>
               <a:ext uri="{FF2B5EF4-FFF2-40B4-BE49-F238E27FC236}">
-                <a16:creationId xmlns:a16="http://schemas.microsoft.com/office/drawing/2014/main" id="{2CC9B4CC-B663-F9D4-2054-3B0F1640F97D}"/>
+                <a16:creationId xmlns:a16="http://schemas.microsoft.com/office/drawing/2014/main" id="{2059EC35-7FBA-2CFF-A976-F52BA328EB04}"/>
               </a:ext>
             </a:extLst>
           </p:cNvPr>
@@ -12470,105 +12163,36 @@
             <a:spLocks noGrp="1"/>
           </p:cNvSpPr>
           <p:nvPr>
-            <p:ph idx="1"/>
+            <p:ph type="subTitle" idx="1"/>
           </p:nvPr>
         </p:nvSpPr>
         <p:spPr/>
         <p:txBody>
           <a:bodyPr>
-            <a:normAutofit lnSpcReduction="10000"/>
+            <a:normAutofit/>
           </a:bodyPr>
           <a:lstStyle/>
           <a:p>
-            <a:pPr marL="0" indent="0">
-              <a:buNone/>
-            </a:pPr>
             <a:r>
               <a:rPr lang="en-US" dirty="0"/>
-              <a:t>Upgrading to Content Cloud (CMS 12)</a:t>
-            </a:r>
-          </a:p>
-          <a:p>
-            <a:pPr marL="0" indent="0">
-              <a:buNone/>
-            </a:pPr>
-            <a:r>
-              <a:rPr lang="en-US" sz="2000" dirty="0">
-                <a:hlinkClick r:id="rId2"/>
-              </a:rPr>
-              <a:t>https://docs.developers.optimizely.com/content-cloud/v11.0.0-content-cloud/docs/upgrading-to-content-cloud-cms-12</a:t>
-            </a:r>
-            <a:endParaRPr lang="en-US" sz="1600" dirty="0"/>
-          </a:p>
-          <a:p>
-            <a:pPr marL="0" indent="0">
-              <a:buNone/>
-            </a:pPr>
+              <a:t>Phase 0</a:t>
+            </a:r>
+          </a:p>
+          <a:p>
             <a:endParaRPr lang="en-US" dirty="0"/>
           </a:p>
           <a:p>
-            <a:pPr marL="0" indent="0">
-              <a:buNone/>
-            </a:pPr>
             <a:r>
               <a:rPr lang="en-US" dirty="0"/>
-              <a:t>Breaking changes in Content Cloud (CMS 12)</a:t>
-            </a:r>
-          </a:p>
-          <a:p>
-            <a:pPr marL="0" indent="0">
-              <a:buNone/>
-            </a:pPr>
-            <a:r>
-              <a:rPr lang="en-US" sz="2000" dirty="0">
-                <a:hlinkClick r:id="rId3"/>
-              </a:rPr>
-              <a:t>https://docs.developers.optimizely.com/content-cloud/v11.0.0-content-cloud/docs/breaking-changes-in-content-cloud-cms-12</a:t>
-            </a:r>
-            <a:endParaRPr lang="en-US" sz="2000" dirty="0"/>
-          </a:p>
-          <a:p>
-            <a:pPr marL="0" indent="0">
-              <a:buNone/>
-            </a:pPr>
-            <a:endParaRPr lang="en-US" dirty="0"/>
-          </a:p>
-          <a:p>
-            <a:pPr marL="0" indent="0">
-              <a:buNone/>
-            </a:pPr>
-            <a:r>
-              <a:rPr lang="en-US" dirty="0"/>
-              <a:t>System requirements for Optimizely</a:t>
-            </a:r>
-          </a:p>
-          <a:p>
-            <a:pPr marL="0" indent="0">
-              <a:buNone/>
-            </a:pPr>
-            <a:r>
-              <a:rPr lang="en-US" sz="2000" dirty="0">
-                <a:hlinkClick r:id="rId4"/>
-              </a:rPr>
-              <a:t>https://docs.developers.optimizely.com/content-cloud/v12.0.0-content-cloud/docs/system-requirements-for-optimizely</a:t>
-            </a:r>
-            <a:endParaRPr lang="en-US" sz="2000" dirty="0"/>
-          </a:p>
-          <a:p>
-            <a:pPr marL="0" indent="0">
-              <a:buNone/>
-            </a:pPr>
-            <a:endParaRPr lang="en-US" dirty="0"/>
-          </a:p>
-          <a:p>
-            <a:endParaRPr lang="en-US" dirty="0"/>
+              <a:t>Stuff to do before you begin</a:t>
+            </a:r>
           </a:p>
         </p:txBody>
       </p:sp>
     </p:spTree>
     <p:extLst>
       <p:ext uri="{BB962C8B-B14F-4D97-AF65-F5344CB8AC3E}">
-        <p14:creationId xmlns:p14="http://schemas.microsoft.com/office/powerpoint/2010/main" val="2590760872"/>
+        <p14:creationId xmlns:p14="http://schemas.microsoft.com/office/powerpoint/2010/main" val="777088906"/>
       </p:ext>
     </p:extLst>
   </p:cSld>
@@ -14403,7 +14027,7 @@
           <p:cNvPr id="2" name="Title 1">
             <a:extLst>
               <a:ext uri="{FF2B5EF4-FFF2-40B4-BE49-F238E27FC236}">
-                <a16:creationId xmlns:a16="http://schemas.microsoft.com/office/drawing/2014/main" id="{D4202063-728E-82C8-780B-E52CC9AC88C2}"/>
+                <a16:creationId xmlns:a16="http://schemas.microsoft.com/office/drawing/2014/main" id="{E1C85CB6-C7AB-B3B1-4593-93D8C361BCB0}"/>
               </a:ext>
             </a:extLst>
           </p:cNvPr>
@@ -14421,7 +14045,7 @@
           <a:p>
             <a:r>
               <a:rPr lang="en-US" dirty="0"/>
-              <a:t>Be on .NET Framework 4.7.2 or higher</a:t>
+              <a:t>Read the official documentation</a:t>
             </a:r>
           </a:p>
         </p:txBody>
@@ -14431,7 +14055,7 @@
           <p:cNvPr id="3" name="Content Placeholder 2">
             <a:extLst>
               <a:ext uri="{FF2B5EF4-FFF2-40B4-BE49-F238E27FC236}">
-                <a16:creationId xmlns:a16="http://schemas.microsoft.com/office/drawing/2014/main" id="{5B0BA359-1977-7BC5-456D-6B325FF339AF}"/>
+                <a16:creationId xmlns:a16="http://schemas.microsoft.com/office/drawing/2014/main" id="{2CC9B4CC-B663-F9D4-2054-3B0F1640F97D}"/>
               </a:ext>
             </a:extLst>
           </p:cNvPr>
@@ -14444,12 +14068,35 @@
         </p:nvSpPr>
         <p:spPr/>
         <p:txBody>
-          <a:bodyPr/>
+          <a:bodyPr>
+            <a:normAutofit lnSpcReduction="10000"/>
+          </a:bodyPr>
           <a:lstStyle/>
           <a:p>
             <a:pPr marL="0" indent="0">
               <a:buNone/>
             </a:pPr>
+            <a:r>
+              <a:rPr lang="en-US" dirty="0"/>
+              <a:t>Upgrading to Content Cloud (CMS 12)</a:t>
+            </a:r>
+          </a:p>
+          <a:p>
+            <a:pPr marL="0" indent="0">
+              <a:buNone/>
+            </a:pPr>
+            <a:r>
+              <a:rPr lang="en-US" sz="2000" dirty="0">
+                <a:hlinkClick r:id="rId2"/>
+              </a:rPr>
+              <a:t>https://docs.developers.optimizely.com/content-cloud/v11.0.0-content-cloud/docs/upgrading-to-content-cloud-cms-12</a:t>
+            </a:r>
+            <a:endParaRPr lang="en-US" sz="1600" dirty="0"/>
+          </a:p>
+          <a:p>
+            <a:pPr marL="0" indent="0">
+              <a:buNone/>
+            </a:pPr>
             <a:endParaRPr lang="en-US" dirty="0"/>
           </a:p>
           <a:p>
@@ -14458,8 +14105,20 @@
             </a:pPr>
             <a:r>
               <a:rPr lang="en-US" dirty="0"/>
-              <a:t>CMS11 only requires .NET Framework 4.6.1, but Microsoft recommends being on 4.7.2 or higher when using Upgrade-Assistant</a:t>
-            </a:r>
+              <a:t>Breaking changes in Content Cloud (CMS 12)</a:t>
+            </a:r>
+          </a:p>
+          <a:p>
+            <a:pPr marL="0" indent="0">
+              <a:buNone/>
+            </a:pPr>
+            <a:r>
+              <a:rPr lang="en-US" sz="2000" dirty="0">
+                <a:hlinkClick r:id="rId3"/>
+              </a:rPr>
+              <a:t>https://docs.developers.optimizely.com/content-cloud/v11.0.0-content-cloud/docs/breaking-changes-in-content-cloud-cms-12</a:t>
+            </a:r>
+            <a:endParaRPr lang="en-US" sz="2000" dirty="0"/>
           </a:p>
           <a:p>
             <a:pPr marL="0" indent="0">
@@ -14468,25 +14127,33 @@
             <a:endParaRPr lang="en-US" dirty="0"/>
           </a:p>
           <a:p>
-            <a:r>
-              <a:rPr lang="en-US" dirty="0">
-                <a:hlinkClick r:id="rId2"/>
-              </a:rPr>
-              <a:t>https://docs.developers.optimizely.com/content-cloud/v11.0.0-content-cloud/docs/system-requirements-for-optimizely</a:t>
-            </a:r>
+            <a:pPr marL="0" indent="0">
+              <a:buNone/>
+            </a:pPr>
+            <a:r>
+              <a:rPr lang="en-US" dirty="0"/>
+              <a:t>System requirements for Optimizely</a:t>
+            </a:r>
+          </a:p>
+          <a:p>
+            <a:pPr marL="0" indent="0">
+              <a:buNone/>
+            </a:pPr>
+            <a:r>
+              <a:rPr lang="en-US" sz="2000" dirty="0">
+                <a:hlinkClick r:id="rId4"/>
+              </a:rPr>
+              <a:t>https://docs.developers.optimizely.com/content-cloud/v12.0.0-content-cloud/docs/system-requirements-for-optimizely</a:t>
+            </a:r>
+            <a:endParaRPr lang="en-US" sz="2000" dirty="0"/>
+          </a:p>
+          <a:p>
+            <a:pPr marL="0" indent="0">
+              <a:buNone/>
+            </a:pPr>
             <a:endParaRPr lang="en-US" dirty="0"/>
           </a:p>
           <a:p>
-            <a:r>
-              <a:rPr lang="en-US" dirty="0">
-                <a:hlinkClick r:id="rId3"/>
-              </a:rPr>
-              <a:t>https://docs.microsoft.com/en-us/dotnet/core/porting/premigration-needed-changes</a:t>
-            </a:r>
-            <a:endParaRPr lang="en-US" dirty="0"/>
-          </a:p>
-          <a:p>
-            <a:pPr lvl="1"/>
             <a:endParaRPr lang="en-US" dirty="0"/>
           </a:p>
         </p:txBody>
@@ -14494,7 +14161,7 @@
     </p:spTree>
     <p:extLst>
       <p:ext uri="{BB962C8B-B14F-4D97-AF65-F5344CB8AC3E}">
-        <p14:creationId xmlns:p14="http://schemas.microsoft.com/office/powerpoint/2010/main" val="810703732"/>
+        <p14:creationId xmlns:p14="http://schemas.microsoft.com/office/powerpoint/2010/main" val="2590760872"/>
       </p:ext>
     </p:extLst>
   </p:cSld>
@@ -14526,7 +14193,7 @@
           <p:cNvPr id="2" name="Title 1">
             <a:extLst>
               <a:ext uri="{FF2B5EF4-FFF2-40B4-BE49-F238E27FC236}">
-                <a16:creationId xmlns:a16="http://schemas.microsoft.com/office/drawing/2014/main" id="{CCC0AEBA-5A87-8FD5-083C-CD1E6F022F20}"/>
+                <a16:creationId xmlns:a16="http://schemas.microsoft.com/office/drawing/2014/main" id="{D4202063-728E-82C8-780B-E52CC9AC88C2}"/>
               </a:ext>
             </a:extLst>
           </p:cNvPr>
@@ -14544,7 +14211,7 @@
           <a:p>
             <a:r>
               <a:rPr lang="en-US" dirty="0"/>
-              <a:t>Update to the latest version of CMS11 (Commerce13) before upgrading</a:t>
+              <a:t>Be on .NET Framework 4.7.2 or higher</a:t>
             </a:r>
           </a:p>
         </p:txBody>
@@ -14554,7 +14221,7 @@
           <p:cNvPr id="3" name="Content Placeholder 2">
             <a:extLst>
               <a:ext uri="{FF2B5EF4-FFF2-40B4-BE49-F238E27FC236}">
-                <a16:creationId xmlns:a16="http://schemas.microsoft.com/office/drawing/2014/main" id="{550FAD9D-B5F7-AA4C-985F-6C50FE5C3E63}"/>
+                <a16:creationId xmlns:a16="http://schemas.microsoft.com/office/drawing/2014/main" id="{5B0BA359-1977-7BC5-456D-6B325FF339AF}"/>
               </a:ext>
             </a:extLst>
           </p:cNvPr>
@@ -14581,32 +14248,43 @@
             </a:pPr>
             <a:r>
               <a:rPr lang="en-US" dirty="0"/>
-              <a:t>The official documentation doesn’t explicitly say to do this…</a:t>
-            </a:r>
-          </a:p>
-          <a:p>
-            <a:pPr marL="0" indent="0">
-              <a:buNone/>
-            </a:pPr>
-            <a:r>
-              <a:rPr lang="en-US" dirty="0"/>
-              <a:t>but I can’t think of any reason </a:t>
-            </a:r>
-            <a:r>
-              <a:rPr lang="en-US" i="1" dirty="0"/>
-              <a:t>not </a:t>
-            </a:r>
-            <a:r>
-              <a:rPr lang="en-US" dirty="0"/>
-              <a:t>to. </a:t>
-            </a:r>
+              <a:t>CMS11 only requires .NET Framework 4.6.1, but Microsoft recommends being on 4.7.2 or higher when using Upgrade-Assistant</a:t>
+            </a:r>
+          </a:p>
+          <a:p>
+            <a:pPr marL="0" indent="0">
+              <a:buNone/>
+            </a:pPr>
+            <a:endParaRPr lang="en-US" dirty="0"/>
+          </a:p>
+          <a:p>
+            <a:r>
+              <a:rPr lang="en-US" dirty="0">
+                <a:hlinkClick r:id="rId2"/>
+              </a:rPr>
+              <a:t>https://docs.developers.optimizely.com/content-cloud/v11.0.0-content-cloud/docs/system-requirements-for-optimizely</a:t>
+            </a:r>
+            <a:endParaRPr lang="en-US" dirty="0"/>
+          </a:p>
+          <a:p>
+            <a:r>
+              <a:rPr lang="en-US" dirty="0">
+                <a:hlinkClick r:id="rId3"/>
+              </a:rPr>
+              <a:t>https://docs.microsoft.com/en-us/dotnet/core/porting/premigration-needed-changes</a:t>
+            </a:r>
+            <a:endParaRPr lang="en-US" dirty="0"/>
+          </a:p>
+          <a:p>
+            <a:pPr lvl="1"/>
+            <a:endParaRPr lang="en-US" dirty="0"/>
           </a:p>
         </p:txBody>
       </p:sp>
     </p:spTree>
     <p:extLst>
       <p:ext uri="{BB962C8B-B14F-4D97-AF65-F5344CB8AC3E}">
-        <p14:creationId xmlns:p14="http://schemas.microsoft.com/office/powerpoint/2010/main" val="420972079"/>
+        <p14:creationId xmlns:p14="http://schemas.microsoft.com/office/powerpoint/2010/main" val="810703732"/>
       </p:ext>
     </p:extLst>
   </p:cSld>
@@ -14638,7 +14316,7 @@
           <p:cNvPr id="2" name="Title 1">
             <a:extLst>
               <a:ext uri="{FF2B5EF4-FFF2-40B4-BE49-F238E27FC236}">
-                <a16:creationId xmlns:a16="http://schemas.microsoft.com/office/drawing/2014/main" id="{70832D21-C15E-9A5C-DCC3-C4F5EAED0E2D}"/>
+                <a16:creationId xmlns:a16="http://schemas.microsoft.com/office/drawing/2014/main" id="{CCC0AEBA-5A87-8FD5-083C-CD1E6F022F20}"/>
               </a:ext>
             </a:extLst>
           </p:cNvPr>
@@ -14656,7 +14334,7 @@
           <a:p>
             <a:r>
               <a:rPr lang="en-US" dirty="0"/>
-              <a:t>Check the status of add-on packages</a:t>
+              <a:t>Update to the latest version of CMS11 (Commerce13) before upgrading</a:t>
             </a:r>
           </a:p>
         </p:txBody>
@@ -14666,7 +14344,7 @@
           <p:cNvPr id="3" name="Content Placeholder 2">
             <a:extLst>
               <a:ext uri="{FF2B5EF4-FFF2-40B4-BE49-F238E27FC236}">
-                <a16:creationId xmlns:a16="http://schemas.microsoft.com/office/drawing/2014/main" id="{31EFCB25-EB7E-0BDE-E3FD-7496A5D07ED3}"/>
+                <a16:creationId xmlns:a16="http://schemas.microsoft.com/office/drawing/2014/main" id="{550FAD9D-B5F7-AA4C-985F-6C50FE5C3E63}"/>
               </a:ext>
             </a:extLst>
           </p:cNvPr>
@@ -14679,36 +14357,22 @@
         </p:nvSpPr>
         <p:spPr/>
         <p:txBody>
-          <a:bodyPr>
-            <a:normAutofit/>
-          </a:bodyPr>
+          <a:bodyPr/>
           <a:lstStyle/>
           <a:p>
             <a:pPr marL="0" indent="0">
               <a:buNone/>
             </a:pPr>
+            <a:endParaRPr lang="en-US" dirty="0"/>
+          </a:p>
+          <a:p>
+            <a:pPr marL="0" indent="0">
+              <a:buNone/>
+            </a:pPr>
             <a:r>
               <a:rPr lang="en-US" dirty="0"/>
-              <a:t>Official CMS/Commerce add-on platform compatibility:</a:t>
-            </a:r>
-          </a:p>
-          <a:p>
-            <a:pPr marL="0" indent="0">
-              <a:buNone/>
-            </a:pPr>
-            <a:r>
-              <a:rPr lang="en-US" dirty="0">
-                <a:hlinkClick r:id="rId2"/>
-              </a:rPr>
-              <a:t>https://docs.developers.optimizely.com/integrations/v1.1.0-apps-and-integrations/docs/add-ons-platform-compatibility</a:t>
-            </a:r>
-            <a:endParaRPr lang="en-US" dirty="0"/>
-          </a:p>
-          <a:p>
-            <a:pPr marL="0" indent="0">
-              <a:buNone/>
-            </a:pPr>
-            <a:endParaRPr lang="en-US" dirty="0"/>
+              <a:t>The official documentation doesn’t explicitly say to do this…</a:t>
+            </a:r>
           </a:p>
           <a:p>
             <a:pPr marL="0" indent="0">
@@ -14716,30 +14380,23 @@
             </a:pPr>
             <a:r>
               <a:rPr lang="en-US" dirty="0"/>
-              <a:t>Official big list of package migration status: </a:t>
-            </a:r>
-            <a:endParaRPr lang="en-US" dirty="0">
-              <a:hlinkClick r:id="rId3"/>
-            </a:endParaRPr>
-          </a:p>
-          <a:p>
-            <a:pPr marL="0" indent="0">
-              <a:buNone/>
-            </a:pPr>
-            <a:r>
-              <a:rPr lang="en-US" dirty="0">
-                <a:hlinkClick r:id="rId3"/>
-              </a:rPr>
-              <a:t>https://world.optimizely.com/resources/net5/add-ons</a:t>
-            </a:r>
-            <a:endParaRPr lang="en-US" dirty="0"/>
+              <a:t>but I can’t think of any reason </a:t>
+            </a:r>
+            <a:r>
+              <a:rPr lang="en-US" i="1" dirty="0"/>
+              <a:t>not </a:t>
+            </a:r>
+            <a:r>
+              <a:rPr lang="en-US" dirty="0"/>
+              <a:t>to. </a:t>
+            </a:r>
           </a:p>
         </p:txBody>
       </p:sp>
     </p:spTree>
     <p:extLst>
       <p:ext uri="{BB962C8B-B14F-4D97-AF65-F5344CB8AC3E}">
-        <p14:creationId xmlns:p14="http://schemas.microsoft.com/office/powerpoint/2010/main" val="471852820"/>
+        <p14:creationId xmlns:p14="http://schemas.microsoft.com/office/powerpoint/2010/main" val="420972079"/>
       </p:ext>
     </p:extLst>
   </p:cSld>
@@ -14813,7 +14470,7 @@
         <p:spPr/>
         <p:txBody>
           <a:bodyPr>
-            <a:normAutofit fontScale="92500"/>
+            <a:normAutofit/>
           </a:bodyPr>
           <a:lstStyle/>
           <a:p>
@@ -14822,77 +14479,57 @@
             </a:pPr>
             <a:r>
               <a:rPr lang="en-US" dirty="0"/>
-              <a:t>Give yourself time to check the status of your favorite third party add-ons. </a:t>
-            </a:r>
-          </a:p>
-          <a:p>
-            <a:pPr marL="0" indent="0">
-              <a:buNone/>
-            </a:pPr>
+              <a:t>Official CMS/Commerce add-on platform compatibility:</a:t>
+            </a:r>
+          </a:p>
+          <a:p>
+            <a:pPr marL="0" indent="0">
+              <a:buNone/>
+            </a:pPr>
+            <a:r>
+              <a:rPr lang="en-US" dirty="0">
+                <a:hlinkClick r:id="rId2"/>
+              </a:rPr>
+              <a:t>https://docs.developers.optimizely.com/integrations/v1.1.0-apps-and-integrations/docs/add-ons-platform-compatibility</a:t>
+            </a:r>
             <a:endParaRPr lang="en-US" dirty="0"/>
           </a:p>
           <a:p>
             <a:pPr marL="0" indent="0">
               <a:buNone/>
             </a:pPr>
+            <a:endParaRPr lang="en-US" dirty="0"/>
+          </a:p>
+          <a:p>
+            <a:pPr marL="0" indent="0">
+              <a:buNone/>
+            </a:pPr>
             <a:r>
               <a:rPr lang="en-US" dirty="0"/>
-              <a:t>Having no workaround for unsupported add-ons could derail your whole upgrade project. Know what you’re getting into. </a:t>
-            </a:r>
-          </a:p>
-          <a:p>
-            <a:pPr marL="0" indent="0">
-              <a:buNone/>
-            </a:pPr>
+              <a:t>Official big list of package migration status: </a:t>
+            </a:r>
+            <a:endParaRPr lang="en-US" dirty="0">
+              <a:hlinkClick r:id="rId3"/>
+            </a:endParaRPr>
+          </a:p>
+          <a:p>
+            <a:pPr marL="0" indent="0">
+              <a:buNone/>
+            </a:pPr>
+            <a:r>
+              <a:rPr lang="en-US" dirty="0">
+                <a:hlinkClick r:id="rId3"/>
+              </a:rPr>
+              <a:t>https://world.optimizely.com/resources/net5/add-ons</a:t>
+            </a:r>
             <a:endParaRPr lang="en-US" dirty="0"/>
-          </a:p>
-          <a:p>
-            <a:pPr marL="0" indent="0">
-              <a:buNone/>
-            </a:pPr>
-            <a:r>
-              <a:rPr lang="en-US" dirty="0"/>
-              <a:t>Note: </a:t>
-            </a:r>
-            <a:r>
-              <a:rPr lang="en-US" i="1" dirty="0"/>
-              <a:t>Some </a:t>
-            </a:r>
-            <a:r>
-              <a:rPr lang="en-US" dirty="0"/>
-              <a:t>old, .NET Framework add-ons will still work, just with a warning. </a:t>
-            </a:r>
-          </a:p>
-          <a:p>
-            <a:pPr marL="0" indent="0">
-              <a:buNone/>
-            </a:pPr>
-            <a:endParaRPr lang="en-US" dirty="0"/>
-          </a:p>
-          <a:p>
-            <a:pPr marL="0" indent="0">
-              <a:buNone/>
-            </a:pPr>
-            <a:r>
-              <a:rPr lang="en-US" dirty="0"/>
-              <a:t>Example: Authorize.Net. </a:t>
-            </a:r>
-          </a:p>
-          <a:p>
-            <a:pPr marL="0" indent="0">
-              <a:buNone/>
-            </a:pPr>
-            <a:r>
-              <a:rPr lang="en-US" dirty="0"/>
-              <a:t>There is no .NET Core+ package, but it still compiles and runs.</a:t>
-            </a:r>
           </a:p>
         </p:txBody>
       </p:sp>
     </p:spTree>
     <p:extLst>
       <p:ext uri="{BB962C8B-B14F-4D97-AF65-F5344CB8AC3E}">
-        <p14:creationId xmlns:p14="http://schemas.microsoft.com/office/powerpoint/2010/main" val="1821114640"/>
+        <p14:creationId xmlns:p14="http://schemas.microsoft.com/office/powerpoint/2010/main" val="471852820"/>
       </p:ext>
     </p:extLst>
   </p:cSld>
@@ -14905,14 +14542,6 @@
 <file path=ppt/slides/slide9.xml><?xml version="1.0" encoding="utf-8"?>
 <p:sld xmlns:a="http://schemas.openxmlformats.org/drawingml/2006/main" xmlns:r="http://schemas.openxmlformats.org/officeDocument/2006/relationships" xmlns:p="http://schemas.openxmlformats.org/presentationml/2006/main">
   <p:cSld>
-    <p:bg>
-      <p:bgPr>
-        <a:solidFill>
-          <a:schemeClr val="bg1"/>
-        </a:solidFill>
-        <a:effectLst/>
-      </p:bgPr>
-    </p:bg>
     <p:spTree>
       <p:nvGrpSpPr>
         <p:cNvPr id="1" name=""/>
@@ -14927,46 +14556,133 @@
           <a:chExt cx="0" cy="0"/>
         </a:xfrm>
       </p:grpSpPr>
-      <p:pic>
-        <p:nvPicPr>
-          <p:cNvPr id="4" name="Picture 3" descr="Diagram&#10;&#10;Description automatically generated">
+      <p:sp>
+        <p:nvSpPr>
+          <p:cNvPr id="2" name="Title 1">
             <a:extLst>
               <a:ext uri="{FF2B5EF4-FFF2-40B4-BE49-F238E27FC236}">
-                <a16:creationId xmlns:a16="http://schemas.microsoft.com/office/drawing/2014/main" id="{5E9B4F24-4311-63AB-210C-3BD8A9C46372}"/>
+                <a16:creationId xmlns:a16="http://schemas.microsoft.com/office/drawing/2014/main" id="{70832D21-C15E-9A5C-DCC3-C4F5EAED0E2D}"/>
               </a:ext>
             </a:extLst>
           </p:cNvPr>
-          <p:cNvPicPr>
-            <a:picLocks noChangeAspect="1"/>
-          </p:cNvPicPr>
-          <p:nvPr/>
-        </p:nvPicPr>
-        <p:blipFill>
-          <a:blip r:embed="rId2">
+          <p:cNvSpPr>
+            <a:spLocks noGrp="1"/>
+          </p:cNvSpPr>
+          <p:nvPr>
+            <p:ph type="title"/>
+          </p:nvPr>
+        </p:nvSpPr>
+        <p:spPr/>
+        <p:txBody>
+          <a:bodyPr/>
+          <a:lstStyle/>
+          <a:p>
+            <a:r>
+              <a:rPr lang="en-US" dirty="0"/>
+              <a:t>Check the status of add-on packages</a:t>
+            </a:r>
+          </a:p>
+        </p:txBody>
+      </p:sp>
+      <p:sp>
+        <p:nvSpPr>
+          <p:cNvPr id="3" name="Content Placeholder 2">
             <a:extLst>
-              <a:ext uri="{28A0092B-C50C-407E-A947-70E740481C1C}">
-                <a14:useLocalDpi xmlns:a14="http://schemas.microsoft.com/office/drawing/2010/main" val="0"/>
+              <a:ext uri="{FF2B5EF4-FFF2-40B4-BE49-F238E27FC236}">
+                <a16:creationId xmlns:a16="http://schemas.microsoft.com/office/drawing/2014/main" id="{31EFCB25-EB7E-0BDE-E3FD-7496A5D07ED3}"/>
               </a:ext>
             </a:extLst>
-          </a:blip>
-          <a:stretch>
-            <a:fillRect/>
-          </a:stretch>
-        </p:blipFill>
-        <p:spPr>
-          <a:xfrm>
-            <a:off x="643467" y="1452456"/>
-            <a:ext cx="10905066" cy="3953086"/>
-          </a:xfrm>
-          <a:prstGeom prst="rect">
-            <a:avLst/>
-          </a:prstGeom>
-        </p:spPr>
-      </p:pic>
+          </p:cNvPr>
+          <p:cNvSpPr>
+            <a:spLocks noGrp="1"/>
+          </p:cNvSpPr>
+          <p:nvPr>
+            <p:ph idx="1"/>
+          </p:nvPr>
+        </p:nvSpPr>
+        <p:spPr/>
+        <p:txBody>
+          <a:bodyPr>
+            <a:normAutofit fontScale="92500"/>
+          </a:bodyPr>
+          <a:lstStyle/>
+          <a:p>
+            <a:pPr marL="0" indent="0">
+              <a:buNone/>
+            </a:pPr>
+            <a:r>
+              <a:rPr lang="en-US" dirty="0"/>
+              <a:t>Give yourself time to check the status of your favorite third party add-ons. </a:t>
+            </a:r>
+          </a:p>
+          <a:p>
+            <a:pPr marL="0" indent="0">
+              <a:buNone/>
+            </a:pPr>
+            <a:endParaRPr lang="en-US" dirty="0"/>
+          </a:p>
+          <a:p>
+            <a:pPr marL="0" indent="0">
+              <a:buNone/>
+            </a:pPr>
+            <a:r>
+              <a:rPr lang="en-US" dirty="0"/>
+              <a:t>Having no workaround for unsupported add-ons could derail your whole upgrade project. Know what you’re getting into. </a:t>
+            </a:r>
+          </a:p>
+          <a:p>
+            <a:pPr marL="0" indent="0">
+              <a:buNone/>
+            </a:pPr>
+            <a:endParaRPr lang="en-US" dirty="0"/>
+          </a:p>
+          <a:p>
+            <a:pPr marL="0" indent="0">
+              <a:buNone/>
+            </a:pPr>
+            <a:r>
+              <a:rPr lang="en-US" dirty="0"/>
+              <a:t>Note: </a:t>
+            </a:r>
+            <a:r>
+              <a:rPr lang="en-US" i="1" dirty="0"/>
+              <a:t>Some </a:t>
+            </a:r>
+            <a:r>
+              <a:rPr lang="en-US" dirty="0"/>
+              <a:t>old, .NET Framework add-ons will still work, just with a warning. </a:t>
+            </a:r>
+          </a:p>
+          <a:p>
+            <a:pPr marL="0" indent="0">
+              <a:buNone/>
+            </a:pPr>
+            <a:endParaRPr lang="en-US" dirty="0"/>
+          </a:p>
+          <a:p>
+            <a:pPr marL="0" indent="0">
+              <a:buNone/>
+            </a:pPr>
+            <a:r>
+              <a:rPr lang="en-US" dirty="0"/>
+              <a:t>Example: Authorize.Net. </a:t>
+            </a:r>
+          </a:p>
+          <a:p>
+            <a:pPr marL="0" indent="0">
+              <a:buNone/>
+            </a:pPr>
+            <a:r>
+              <a:rPr lang="en-US" dirty="0"/>
+              <a:t>There is no .NET Core+ package, but it still compiles and runs.</a:t>
+            </a:r>
+          </a:p>
+        </p:txBody>
+      </p:sp>
     </p:spTree>
     <p:extLst>
       <p:ext uri="{BB962C8B-B14F-4D97-AF65-F5344CB8AC3E}">
-        <p14:creationId xmlns:p14="http://schemas.microsoft.com/office/powerpoint/2010/main" val="2074164043"/>
+        <p14:creationId xmlns:p14="http://schemas.microsoft.com/office/powerpoint/2010/main" val="1821114640"/>
       </p:ext>
     </p:extLst>
   </p:cSld>
@@ -14979,7 +14695,7 @@
 <file path=ppt/theme/theme1.xml><?xml version="1.0" encoding="utf-8"?>
 <a:theme xmlns:a="http://schemas.openxmlformats.org/drawingml/2006/main" name="Office Theme">
   <a:themeElements>
-    <a:clrScheme name="Office">
+    <a:clrScheme name="Office Theme">
       <a:dk1>
         <a:sysClr val="windowText" lastClr="000000"/>
       </a:dk1>
@@ -15017,7 +14733,7 @@
         <a:srgbClr val="954F72"/>
       </a:folHlink>
     </a:clrScheme>
-    <a:fontScheme name="Office">
+    <a:fontScheme name="Office Theme">
       <a:majorFont>
         <a:latin typeface="Calibri Light" panose="020F0302020204030204"/>
         <a:ea typeface=""/>
@@ -15052,23 +14768,6 @@
         <a:font script="Viet" typeface="Times New Roman"/>
         <a:font script="Uigh" typeface="Microsoft Uighur"/>
         <a:font script="Geor" typeface="Sylfaen"/>
-        <a:font script="Armn" typeface="Arial"/>
-        <a:font script="Bugi" typeface="Leelawadee UI"/>
-        <a:font script="Bopo" typeface="Microsoft JhengHei"/>
-        <a:font script="Java" typeface="Javanese Text"/>
-        <a:font script="Lisu" typeface="Segoe UI"/>
-        <a:font script="Mymr" typeface="Myanmar Text"/>
-        <a:font script="Nkoo" typeface="Ebrima"/>
-        <a:font script="Olck" typeface="Nirmala UI"/>
-        <a:font script="Osma" typeface="Ebrima"/>
-        <a:font script="Phag" typeface="Phagspa"/>
-        <a:font script="Syrn" typeface="Estrangelo Edessa"/>
-        <a:font script="Syrj" typeface="Estrangelo Edessa"/>
-        <a:font script="Syre" typeface="Estrangelo Edessa"/>
-        <a:font script="Sora" typeface="Nirmala UI"/>
-        <a:font script="Tale" typeface="Microsoft Tai Le"/>
-        <a:font script="Talu" typeface="Microsoft New Tai Lue"/>
-        <a:font script="Tfng" typeface="Ebrima"/>
       </a:majorFont>
       <a:minorFont>
         <a:latin typeface="Calibri" panose="020F0502020204030204"/>
@@ -15104,26 +14803,9 @@
         <a:font script="Viet" typeface="Arial"/>
         <a:font script="Uigh" typeface="Microsoft Uighur"/>
         <a:font script="Geor" typeface="Sylfaen"/>
-        <a:font script="Armn" typeface="Arial"/>
-        <a:font script="Bugi" typeface="Leelawadee UI"/>
-        <a:font script="Bopo" typeface="Microsoft JhengHei"/>
-        <a:font script="Java" typeface="Javanese Text"/>
-        <a:font script="Lisu" typeface="Segoe UI"/>
-        <a:font script="Mymr" typeface="Myanmar Text"/>
-        <a:font script="Nkoo" typeface="Ebrima"/>
-        <a:font script="Olck" typeface="Nirmala UI"/>
-        <a:font script="Osma" typeface="Ebrima"/>
-        <a:font script="Phag" typeface="Phagspa"/>
-        <a:font script="Syrn" typeface="Estrangelo Edessa"/>
-        <a:font script="Syrj" typeface="Estrangelo Edessa"/>
-        <a:font script="Syre" typeface="Estrangelo Edessa"/>
-        <a:font script="Sora" typeface="Nirmala UI"/>
-        <a:font script="Tale" typeface="Microsoft Tai Le"/>
-        <a:font script="Talu" typeface="Microsoft New Tai Lue"/>
-        <a:font script="Tfng" typeface="Ebrima"/>
       </a:minorFont>
     </a:fontScheme>
-    <a:fmtScheme name="Office">
+    <a:fmtScheme name="Office Theme">
       <a:fillStyleLst>
         <a:solidFill>
           <a:schemeClr val="phClr"/>
@@ -15265,7 +14947,7 @@
   <a:extraClrSchemeLst/>
   <a:extLst>
     <a:ext uri="{05A4C25C-085E-4340-85A3-A5531E510DB2}">
-      <thm15:themeFamily xmlns:thm15="http://schemas.microsoft.com/office/thememl/2012/main" name="Office Theme" id="{62F939B6-93AF-4DB8-9C6B-D6C7DFDC589F}" vid="{4A3C46E8-61CC-4603-A589-7422A47A8E4A}"/>
+      <thm15:themeFamily xmlns:thm15="http://schemas.microsoft.com/office/thememl/2012/main" name="Office Theme" id="{62F939B6-93AF-4DB8-9C6B-D6C7DFDC589F}" vid="{4F46216B-77A9-411A-B9D3-5023FCB70208}"/>
     </a:ext>
   </a:extLst>
 </a:theme>

--- a/Presentation--Upgrading-to-CMS-12-and-Commerce-14.pptx
+++ b/Presentation--Upgrading-to-CMS-12-and-Commerce-14.pptx
@@ -5272,8 +5272,12 @@
           </a:p>
           <a:p>
             <a:r>
+              <a:rPr lang="en-US"/>
+              <a:t>And </a:t>
+            </a:r>
+            <a:r>
               <a:rPr lang="en-US" dirty="0"/>
-              <a:t>Pitfalls to Avoid</a:t>
+              <a:t>avoiding pitfalls while doing it</a:t>
             </a:r>
             <a:br>
               <a:rPr lang="en-US" dirty="0"/>
@@ -7148,8 +7152,8 @@
           <a:p>
             <a:pPr algn="l"/>
             <a:r>
-              <a:rPr lang="en-US" b="1" dirty="0"/>
-              <a:t>Pitfalls to Avoid</a:t>
+              <a:rPr lang="en-US" dirty="0"/>
+              <a:t>And avoiding pitfalls while doing it</a:t>
             </a:r>
           </a:p>
           <a:p>

--- a/Presentation--Upgrading-to-CMS-12-and-Commerce-14.pptx
+++ b/Presentation--Upgrading-to-CMS-12-and-Commerce-14.pptx
@@ -5272,12 +5272,8 @@
           </a:p>
           <a:p>
             <a:r>
-              <a:rPr lang="en-US"/>
-              <a:t>And </a:t>
-            </a:r>
-            <a:r>
               <a:rPr lang="en-US" dirty="0"/>
-              <a:t>avoiding pitfalls while doing it</a:t>
+              <a:t>And avoiding pitfalls while doing it</a:t>
             </a:r>
             <a:br>
               <a:rPr lang="en-US" dirty="0"/>
